--- a/2_day/2일차_판서.pptx
+++ b/2_day/2일차_판서.pptx
@@ -270,7 +270,7 @@
           <a:p>
             <a:fld id="{7038A63A-32EC-4BAC-8FBD-FA821D9570F2}" type="datetimeFigureOut">
               <a:rPr lang="ko-KR" altLang="en-US" smtClean="0"/>
-              <a:t>2023-05-23</a:t>
+              <a:t>2023-09-12</a:t>
             </a:fld>
             <a:endParaRPr lang="ko-KR" altLang="en-US"/>
           </a:p>
@@ -468,7 +468,7 @@
           <a:p>
             <a:fld id="{7038A63A-32EC-4BAC-8FBD-FA821D9570F2}" type="datetimeFigureOut">
               <a:rPr lang="ko-KR" altLang="en-US" smtClean="0"/>
-              <a:t>2023-05-23</a:t>
+              <a:t>2023-09-12</a:t>
             </a:fld>
             <a:endParaRPr lang="ko-KR" altLang="en-US"/>
           </a:p>
@@ -676,7 +676,7 @@
           <a:p>
             <a:fld id="{7038A63A-32EC-4BAC-8FBD-FA821D9570F2}" type="datetimeFigureOut">
               <a:rPr lang="ko-KR" altLang="en-US" smtClean="0"/>
-              <a:t>2023-05-23</a:t>
+              <a:t>2023-09-12</a:t>
             </a:fld>
             <a:endParaRPr lang="ko-KR" altLang="en-US"/>
           </a:p>
@@ -874,7 +874,7 @@
           <a:p>
             <a:fld id="{7038A63A-32EC-4BAC-8FBD-FA821D9570F2}" type="datetimeFigureOut">
               <a:rPr lang="ko-KR" altLang="en-US" smtClean="0"/>
-              <a:t>2023-05-23</a:t>
+              <a:t>2023-09-12</a:t>
             </a:fld>
             <a:endParaRPr lang="ko-KR" altLang="en-US"/>
           </a:p>
@@ -1149,7 +1149,7 @@
           <a:p>
             <a:fld id="{7038A63A-32EC-4BAC-8FBD-FA821D9570F2}" type="datetimeFigureOut">
               <a:rPr lang="ko-KR" altLang="en-US" smtClean="0"/>
-              <a:t>2023-05-23</a:t>
+              <a:t>2023-09-12</a:t>
             </a:fld>
             <a:endParaRPr lang="ko-KR" altLang="en-US"/>
           </a:p>
@@ -1414,7 +1414,7 @@
           <a:p>
             <a:fld id="{7038A63A-32EC-4BAC-8FBD-FA821D9570F2}" type="datetimeFigureOut">
               <a:rPr lang="ko-KR" altLang="en-US" smtClean="0"/>
-              <a:t>2023-05-23</a:t>
+              <a:t>2023-09-12</a:t>
             </a:fld>
             <a:endParaRPr lang="ko-KR" altLang="en-US"/>
           </a:p>
@@ -1826,7 +1826,7 @@
           <a:p>
             <a:fld id="{7038A63A-32EC-4BAC-8FBD-FA821D9570F2}" type="datetimeFigureOut">
               <a:rPr lang="ko-KR" altLang="en-US" smtClean="0"/>
-              <a:t>2023-05-23</a:t>
+              <a:t>2023-09-12</a:t>
             </a:fld>
             <a:endParaRPr lang="ko-KR" altLang="en-US"/>
           </a:p>
@@ -1967,7 +1967,7 @@
           <a:p>
             <a:fld id="{7038A63A-32EC-4BAC-8FBD-FA821D9570F2}" type="datetimeFigureOut">
               <a:rPr lang="ko-KR" altLang="en-US" smtClean="0"/>
-              <a:t>2023-05-23</a:t>
+              <a:t>2023-09-12</a:t>
             </a:fld>
             <a:endParaRPr lang="ko-KR" altLang="en-US"/>
           </a:p>
@@ -2080,7 +2080,7 @@
           <a:p>
             <a:fld id="{7038A63A-32EC-4BAC-8FBD-FA821D9570F2}" type="datetimeFigureOut">
               <a:rPr lang="ko-KR" altLang="en-US" smtClean="0"/>
-              <a:t>2023-05-23</a:t>
+              <a:t>2023-09-12</a:t>
             </a:fld>
             <a:endParaRPr lang="ko-KR" altLang="en-US"/>
           </a:p>
@@ -2391,7 +2391,7 @@
           <a:p>
             <a:fld id="{7038A63A-32EC-4BAC-8FBD-FA821D9570F2}" type="datetimeFigureOut">
               <a:rPr lang="ko-KR" altLang="en-US" smtClean="0"/>
-              <a:t>2023-05-23</a:t>
+              <a:t>2023-09-12</a:t>
             </a:fld>
             <a:endParaRPr lang="ko-KR" altLang="en-US"/>
           </a:p>
@@ -2679,7 +2679,7 @@
           <a:p>
             <a:fld id="{7038A63A-32EC-4BAC-8FBD-FA821D9570F2}" type="datetimeFigureOut">
               <a:rPr lang="ko-KR" altLang="en-US" smtClean="0"/>
-              <a:t>2023-05-23</a:t>
+              <a:t>2023-09-12</a:t>
             </a:fld>
             <a:endParaRPr lang="ko-KR" altLang="en-US"/>
           </a:p>
@@ -2920,7 +2920,7 @@
           <a:p>
             <a:fld id="{7038A63A-32EC-4BAC-8FBD-FA821D9570F2}" type="datetimeFigureOut">
               <a:rPr lang="ko-KR" altLang="en-US" smtClean="0"/>
-              <a:t>2023-05-23</a:t>
+              <a:t>2023-09-12</a:t>
             </a:fld>
             <a:endParaRPr lang="ko-KR" altLang="en-US"/>
           </a:p>
@@ -4255,106 +4255,6 @@
       </p:sp>
       <p:sp>
         <p:nvSpPr>
-          <p:cNvPr id="2" name="TextBox 1">
-            <a:extLst>
-              <a:ext uri="{FF2B5EF4-FFF2-40B4-BE49-F238E27FC236}">
-                <a16:creationId xmlns:a16="http://schemas.microsoft.com/office/drawing/2014/main" id="{3298980A-8682-582D-46E4-056C72ECB8C1}"/>
-              </a:ext>
-            </a:extLst>
-          </p:cNvPr>
-          <p:cNvSpPr txBox="1"/>
-          <p:nvPr/>
-        </p:nvSpPr>
-        <p:spPr>
-          <a:xfrm>
-            <a:off x="7003089" y="934592"/>
-            <a:ext cx="5009705" cy="830997"/>
-          </a:xfrm>
-          <a:prstGeom prst="rect">
-            <a:avLst/>
-          </a:prstGeom>
-          <a:noFill/>
-        </p:spPr>
-        <p:txBody>
-          <a:bodyPr wrap="none" rtlCol="0">
-            <a:spAutoFit/>
-          </a:bodyPr>
-          <a:lstStyle/>
-          <a:p>
-            <a:pPr algn="l"/>
-            <a:r>
-              <a:rPr lang="en-US" altLang="ko-KR" sz="1600">
-                <a:latin typeface="Consolas" panose="020B0609020204030204" pitchFamily="49" charset="0"/>
-              </a:rPr>
-              <a:t>[['363', 0.0, 0.92, (280, 69, 696, 435)], </a:t>
-            </a:r>
-          </a:p>
-          <a:p>
-            <a:pPr algn="l"/>
-            <a:r>
-              <a:rPr lang="en-US" altLang="ko-KR" sz="1600">
-                <a:latin typeface="Consolas" panose="020B0609020204030204" pitchFamily="49" charset="0"/>
-              </a:rPr>
-              <a:t> ['297', 0.0, 0.77, (499, 286, 791, 455)], </a:t>
-            </a:r>
-          </a:p>
-          <a:p>
-            <a:pPr algn="l"/>
-            <a:r>
-              <a:rPr lang="en-US" altLang="ko-KR" sz="1600">
-                <a:latin typeface="Consolas" panose="020B0609020204030204" pitchFamily="49" charset="0"/>
-              </a:rPr>
-              <a:t> ['297', 0.0, 0.33, (138, 173, 335, 330)]]</a:t>
-            </a:r>
-            <a:endParaRPr lang="ko-KR" altLang="en-US" sz="1600">
-              <a:latin typeface="Consolas" panose="020B0609020204030204" pitchFamily="49" charset="0"/>
-            </a:endParaRPr>
-          </a:p>
-        </p:txBody>
-      </p:sp>
-      <p:sp>
-        <p:nvSpPr>
-          <p:cNvPr id="4" name="TextBox 3">
-            <a:extLst>
-              <a:ext uri="{FF2B5EF4-FFF2-40B4-BE49-F238E27FC236}">
-                <a16:creationId xmlns:a16="http://schemas.microsoft.com/office/drawing/2014/main" id="{76A93871-5941-DD4C-9A06-706FFAABDC96}"/>
-              </a:ext>
-            </a:extLst>
-          </p:cNvPr>
-          <p:cNvSpPr txBox="1"/>
-          <p:nvPr/>
-        </p:nvSpPr>
-        <p:spPr>
-          <a:xfrm>
-            <a:off x="8522368" y="641683"/>
-            <a:ext cx="745717" cy="338554"/>
-          </a:xfrm>
-          <a:prstGeom prst="rect">
-            <a:avLst/>
-          </a:prstGeom>
-          <a:noFill/>
-        </p:spPr>
-        <p:txBody>
-          <a:bodyPr wrap="none" rtlCol="0">
-            <a:spAutoFit/>
-          </a:bodyPr>
-          <a:lstStyle/>
-          <a:p>
-            <a:pPr algn="l"/>
-            <a:r>
-              <a:rPr lang="en-US" altLang="ko-KR" sz="1600">
-                <a:latin typeface="Consolas" panose="020B0609020204030204" pitchFamily="49" charset="0"/>
-              </a:rPr>
-              <a:t>dects</a:t>
-            </a:r>
-            <a:endParaRPr lang="ko-KR" altLang="en-US" sz="1600">
-              <a:latin typeface="Consolas" panose="020B0609020204030204" pitchFamily="49" charset="0"/>
-            </a:endParaRPr>
-          </a:p>
-        </p:txBody>
-      </p:sp>
-      <p:sp>
-        <p:nvSpPr>
           <p:cNvPr id="8" name="직사각형 7">
             <a:extLst>
               <a:ext uri="{FF2B5EF4-FFF2-40B4-BE49-F238E27FC236}">
@@ -5397,7 +5297,7 @@
         </p:nvSpPr>
         <p:spPr>
           <a:xfrm>
-            <a:off x="4547161" y="4683770"/>
+            <a:off x="4547161" y="4610592"/>
             <a:ext cx="307517" cy="219289"/>
           </a:xfrm>
           <a:prstGeom prst="downArrow">
@@ -5453,203 +5353,6 @@
       </p:sp>
       <p:sp>
         <p:nvSpPr>
-          <p:cNvPr id="7" name="TextBox 6">
-            <a:extLst>
-              <a:ext uri="{FF2B5EF4-FFF2-40B4-BE49-F238E27FC236}">
-                <a16:creationId xmlns:a16="http://schemas.microsoft.com/office/drawing/2014/main" id="{6DB4280B-E9C4-E216-3421-18CFF2F396ED}"/>
-              </a:ext>
-            </a:extLst>
-          </p:cNvPr>
-          <p:cNvSpPr txBox="1"/>
-          <p:nvPr/>
-        </p:nvSpPr>
-        <p:spPr>
-          <a:xfrm>
-            <a:off x="7031163" y="2218957"/>
-            <a:ext cx="4897495" cy="1077218"/>
-          </a:xfrm>
-          <a:prstGeom prst="rect">
-            <a:avLst/>
-          </a:prstGeom>
-          <a:noFill/>
-        </p:spPr>
-        <p:txBody>
-          <a:bodyPr wrap="none" rtlCol="0">
-            <a:spAutoFit/>
-          </a:bodyPr>
-          <a:lstStyle/>
-          <a:p>
-            <a:pPr algn="l"/>
-            <a:r>
-              <a:rPr lang="en-US" altLang="ko-KR" sz="1600">
-                <a:latin typeface="Consolas" panose="020B0609020204030204" pitchFamily="49" charset="0"/>
-              </a:rPr>
-              <a:t>[['297', 0.0, 1.0, (106, 195, 303, 352)], </a:t>
-            </a:r>
-          </a:p>
-          <a:p>
-            <a:pPr algn="l"/>
-            <a:r>
-              <a:rPr lang="en-US" altLang="ko-KR" sz="1600">
-                <a:latin typeface="Consolas" panose="020B0609020204030204" pitchFamily="49" charset="0"/>
-              </a:rPr>
-              <a:t> ['297', 0.0, 1.0, (548, 250, 841, 419)], </a:t>
-            </a:r>
-          </a:p>
-          <a:p>
-            <a:pPr algn="l"/>
-            <a:r>
-              <a:rPr lang="en-US" altLang="ko-KR" sz="1600">
-                <a:latin typeface="Consolas" panose="020B0609020204030204" pitchFamily="49" charset="0"/>
-              </a:rPr>
-              <a:t> ['363', 0.0, 1.0, (207, 108, 624, 474)], </a:t>
-            </a:r>
-          </a:p>
-          <a:p>
-            <a:pPr algn="l"/>
-            <a:r>
-              <a:rPr lang="en-US" altLang="ko-KR" sz="1600">
-                <a:latin typeface="Consolas" panose="020B0609020204030204" pitchFamily="49" charset="0"/>
-              </a:rPr>
-              <a:t> ['299', 0.0, 1.0, (434, 223, 715, 386)]]</a:t>
-            </a:r>
-            <a:endParaRPr lang="ko-KR" altLang="en-US" sz="1600">
-              <a:latin typeface="Consolas" panose="020B0609020204030204" pitchFamily="49" charset="0"/>
-            </a:endParaRPr>
-          </a:p>
-        </p:txBody>
-      </p:sp>
-      <p:sp>
-        <p:nvSpPr>
-          <p:cNvPr id="11" name="TextBox 10">
-            <a:extLst>
-              <a:ext uri="{FF2B5EF4-FFF2-40B4-BE49-F238E27FC236}">
-                <a16:creationId xmlns:a16="http://schemas.microsoft.com/office/drawing/2014/main" id="{E73DBBE5-73BE-3BCD-B850-B02AABC173E2}"/>
-              </a:ext>
-            </a:extLst>
-          </p:cNvPr>
-          <p:cNvSpPr txBox="1"/>
-          <p:nvPr/>
-        </p:nvSpPr>
-        <p:spPr>
-          <a:xfrm>
-            <a:off x="8550442" y="1926048"/>
-            <a:ext cx="521297" cy="338554"/>
-          </a:xfrm>
-          <a:prstGeom prst="rect">
-            <a:avLst/>
-          </a:prstGeom>
-          <a:noFill/>
-        </p:spPr>
-        <p:txBody>
-          <a:bodyPr wrap="none" rtlCol="0">
-            <a:spAutoFit/>
-          </a:bodyPr>
-          <a:lstStyle/>
-          <a:p>
-            <a:pPr algn="l"/>
-            <a:r>
-              <a:rPr lang="en-US" altLang="ko-KR" sz="1600">
-                <a:latin typeface="Consolas" panose="020B0609020204030204" pitchFamily="49" charset="0"/>
-              </a:rPr>
-              <a:t>gts</a:t>
-            </a:r>
-            <a:endParaRPr lang="ko-KR" altLang="en-US" sz="1600">
-              <a:latin typeface="Consolas" panose="020B0609020204030204" pitchFamily="49" charset="0"/>
-            </a:endParaRPr>
-          </a:p>
-        </p:txBody>
-      </p:sp>
-      <p:sp>
-        <p:nvSpPr>
-          <p:cNvPr id="25" name="TextBox 24">
-            <a:extLst>
-              <a:ext uri="{FF2B5EF4-FFF2-40B4-BE49-F238E27FC236}">
-                <a16:creationId xmlns:a16="http://schemas.microsoft.com/office/drawing/2014/main" id="{54F623E6-CAFA-1ABA-EA60-5540CEA98927}"/>
-              </a:ext>
-            </a:extLst>
-          </p:cNvPr>
-          <p:cNvSpPr txBox="1"/>
-          <p:nvPr/>
-        </p:nvSpPr>
-        <p:spPr>
-          <a:xfrm>
-            <a:off x="7075279" y="3827945"/>
-            <a:ext cx="4897495" cy="584775"/>
-          </a:xfrm>
-          <a:prstGeom prst="rect">
-            <a:avLst/>
-          </a:prstGeom>
-          <a:noFill/>
-        </p:spPr>
-        <p:txBody>
-          <a:bodyPr wrap="none" rtlCol="0">
-            <a:spAutoFit/>
-          </a:bodyPr>
-          <a:lstStyle/>
-          <a:p>
-            <a:pPr algn="l"/>
-            <a:r>
-              <a:rPr lang="en-US" altLang="ko-KR" sz="1600">
-                <a:latin typeface="Consolas" panose="020B0609020204030204" pitchFamily="49" charset="0"/>
-              </a:rPr>
-              <a:t>[['297', 0.0, 1.0, (106, 195, 303, 352)], </a:t>
-            </a:r>
-          </a:p>
-          <a:p>
-            <a:pPr algn="l"/>
-            <a:r>
-              <a:rPr lang="en-US" altLang="ko-KR" sz="1600">
-                <a:latin typeface="Consolas" panose="020B0609020204030204" pitchFamily="49" charset="0"/>
-              </a:rPr>
-              <a:t> ['297', 0.0, 1.0, (548, 250, 841, 419)]] </a:t>
-            </a:r>
-          </a:p>
-        </p:txBody>
-      </p:sp>
-      <p:sp>
-        <p:nvSpPr>
-          <p:cNvPr id="29" name="TextBox 28">
-            <a:extLst>
-              <a:ext uri="{FF2B5EF4-FFF2-40B4-BE49-F238E27FC236}">
-                <a16:creationId xmlns:a16="http://schemas.microsoft.com/office/drawing/2014/main" id="{6DD18B5E-5675-5B5A-DF83-18E2A513F608}"/>
-              </a:ext>
-            </a:extLst>
-          </p:cNvPr>
-          <p:cNvSpPr txBox="1"/>
-          <p:nvPr/>
-        </p:nvSpPr>
-        <p:spPr>
-          <a:xfrm>
-            <a:off x="8594558" y="3535036"/>
-            <a:ext cx="409086" cy="338554"/>
-          </a:xfrm>
-          <a:prstGeom prst="rect">
-            <a:avLst/>
-          </a:prstGeom>
-          <a:noFill/>
-        </p:spPr>
-        <p:txBody>
-          <a:bodyPr wrap="none" rtlCol="0">
-            <a:spAutoFit/>
-          </a:bodyPr>
-          <a:lstStyle/>
-          <a:p>
-            <a:pPr algn="l"/>
-            <a:r>
-              <a:rPr lang="en-US" altLang="ko-KR" sz="1600">
-                <a:latin typeface="Consolas" panose="020B0609020204030204" pitchFamily="49" charset="0"/>
-              </a:rPr>
-              <a:t>gt</a:t>
-            </a:r>
-            <a:endParaRPr lang="ko-KR" altLang="en-US" sz="1600">
-              <a:latin typeface="Consolas" panose="020B0609020204030204" pitchFamily="49" charset="0"/>
-            </a:endParaRPr>
-          </a:p>
-        </p:txBody>
-      </p:sp>
-      <p:sp>
-        <p:nvSpPr>
           <p:cNvPr id="30" name="직사각형 29">
             <a:extLst>
               <a:ext uri="{FF2B5EF4-FFF2-40B4-BE49-F238E27FC236}">
@@ -5700,7 +5403,7 @@
                 </a:solidFill>
                 <a:latin typeface="Consolas" panose="020B0609020204030204" pitchFamily="49" charset="0"/>
               </a:rPr>
-              <a:t>0.56</a:t>
+              <a:t>0.53</a:t>
             </a:r>
             <a:endParaRPr lang="ko-KR" altLang="en-US" sz="1600">
               <a:solidFill>
@@ -5963,6 +5666,348 @@
               <a:t>297</a:t>
             </a:r>
             <a:endParaRPr lang="ko-KR" altLang="en-US">
+              <a:latin typeface="Consolas" panose="020B0609020204030204" pitchFamily="49" charset="0"/>
+            </a:endParaRPr>
+          </a:p>
+        </p:txBody>
+      </p:sp>
+      <p:sp>
+        <p:nvSpPr>
+          <p:cNvPr id="16" name="TextBox 15">
+            <a:extLst>
+              <a:ext uri="{FF2B5EF4-FFF2-40B4-BE49-F238E27FC236}">
+                <a16:creationId xmlns:a16="http://schemas.microsoft.com/office/drawing/2014/main" id="{C0E82E75-0348-3FE9-CEF5-0696D1A5030D}"/>
+              </a:ext>
+            </a:extLst>
+          </p:cNvPr>
+          <p:cNvSpPr txBox="1"/>
+          <p:nvPr/>
+        </p:nvSpPr>
+        <p:spPr>
+          <a:xfrm>
+            <a:off x="7403368" y="415242"/>
+            <a:ext cx="4358886" cy="738664"/>
+          </a:xfrm>
+          <a:prstGeom prst="rect">
+            <a:avLst/>
+          </a:prstGeom>
+          <a:noFill/>
+        </p:spPr>
+        <p:txBody>
+          <a:bodyPr wrap="none" rtlCol="0">
+            <a:spAutoFit/>
+          </a:bodyPr>
+          <a:lstStyle/>
+          <a:p>
+            <a:pPr algn="l"/>
+            <a:r>
+              <a:rPr lang="en-US" altLang="ko-KR" sz="1400">
+                <a:latin typeface="Consolas" panose="020B0609020204030204" pitchFamily="49" charset="0"/>
+              </a:rPr>
+              <a:t>[['363', 0.0, </a:t>
+            </a:r>
+            <a:r>
+              <a:rPr lang="en-US" altLang="ko-KR" sz="1400">
+                <a:solidFill>
+                  <a:srgbClr val="FF0000"/>
+                </a:solidFill>
+                <a:latin typeface="Consolas" panose="020B0609020204030204" pitchFamily="49" charset="0"/>
+              </a:rPr>
+              <a:t>0.92</a:t>
+            </a:r>
+            <a:r>
+              <a:rPr lang="en-US" altLang="ko-KR" sz="1400">
+                <a:latin typeface="Consolas" panose="020B0609020204030204" pitchFamily="49" charset="0"/>
+              </a:rPr>
+              <a:t>, (280, 69, 696, 435)] ,</a:t>
+            </a:r>
+          </a:p>
+          <a:p>
+            <a:pPr algn="l"/>
+            <a:r>
+              <a:rPr lang="en-US" altLang="ko-KR" sz="1400">
+                <a:latin typeface="Consolas" panose="020B0609020204030204" pitchFamily="49" charset="0"/>
+              </a:rPr>
+              <a:t> ['297', 0.0, </a:t>
+            </a:r>
+            <a:r>
+              <a:rPr lang="en-US" altLang="ko-KR" sz="1400">
+                <a:solidFill>
+                  <a:srgbClr val="FF0000"/>
+                </a:solidFill>
+                <a:latin typeface="Consolas" panose="020B0609020204030204" pitchFamily="49" charset="0"/>
+              </a:rPr>
+              <a:t>0.77</a:t>
+            </a:r>
+            <a:r>
+              <a:rPr lang="en-US" altLang="ko-KR" sz="1400">
+                <a:latin typeface="Consolas" panose="020B0609020204030204" pitchFamily="49" charset="0"/>
+              </a:rPr>
+              <a:t>, (499, 286, 791, 455)],</a:t>
+            </a:r>
+          </a:p>
+          <a:p>
+            <a:pPr algn="l"/>
+            <a:r>
+              <a:rPr lang="en-US" altLang="ko-KR" sz="1400">
+                <a:latin typeface="Consolas" panose="020B0609020204030204" pitchFamily="49" charset="0"/>
+              </a:rPr>
+              <a:t> ['297', 0.0, </a:t>
+            </a:r>
+            <a:r>
+              <a:rPr lang="en-US" altLang="ko-KR" sz="1400">
+                <a:solidFill>
+                  <a:srgbClr val="FF0000"/>
+                </a:solidFill>
+                <a:latin typeface="Consolas" panose="020B0609020204030204" pitchFamily="49" charset="0"/>
+              </a:rPr>
+              <a:t>0.33</a:t>
+            </a:r>
+            <a:r>
+              <a:rPr lang="en-US" altLang="ko-KR" sz="1400">
+                <a:latin typeface="Consolas" panose="020B0609020204030204" pitchFamily="49" charset="0"/>
+              </a:rPr>
+              <a:t>, (138, 173, 335, 330)]]</a:t>
+            </a:r>
+            <a:endParaRPr lang="ko-KR" altLang="en-US" sz="1400">
+              <a:latin typeface="Consolas" panose="020B0609020204030204" pitchFamily="49" charset="0"/>
+            </a:endParaRPr>
+          </a:p>
+        </p:txBody>
+      </p:sp>
+      <p:sp>
+        <p:nvSpPr>
+          <p:cNvPr id="35" name="TextBox 34">
+            <a:extLst>
+              <a:ext uri="{FF2B5EF4-FFF2-40B4-BE49-F238E27FC236}">
+                <a16:creationId xmlns:a16="http://schemas.microsoft.com/office/drawing/2014/main" id="{212B572E-C5C4-5B5A-C101-8629BDD2CD7F}"/>
+              </a:ext>
+            </a:extLst>
+          </p:cNvPr>
+          <p:cNvSpPr txBox="1"/>
+          <p:nvPr/>
+        </p:nvSpPr>
+        <p:spPr>
+          <a:xfrm>
+            <a:off x="8922647" y="122333"/>
+            <a:ext cx="745717" cy="338554"/>
+          </a:xfrm>
+          <a:prstGeom prst="rect">
+            <a:avLst/>
+          </a:prstGeom>
+          <a:noFill/>
+        </p:spPr>
+        <p:txBody>
+          <a:bodyPr wrap="none" rtlCol="0">
+            <a:spAutoFit/>
+          </a:bodyPr>
+          <a:lstStyle/>
+          <a:p>
+            <a:pPr algn="l"/>
+            <a:r>
+              <a:rPr lang="en-US" altLang="ko-KR" sz="1600">
+                <a:latin typeface="Consolas" panose="020B0609020204030204" pitchFamily="49" charset="0"/>
+              </a:rPr>
+              <a:t>dects</a:t>
+            </a:r>
+            <a:endParaRPr lang="ko-KR" altLang="en-US" sz="1600">
+              <a:latin typeface="Consolas" panose="020B0609020204030204" pitchFamily="49" charset="0"/>
+            </a:endParaRPr>
+          </a:p>
+        </p:txBody>
+      </p:sp>
+      <p:sp>
+        <p:nvSpPr>
+          <p:cNvPr id="37" name="TextBox 36">
+            <a:extLst>
+              <a:ext uri="{FF2B5EF4-FFF2-40B4-BE49-F238E27FC236}">
+                <a16:creationId xmlns:a16="http://schemas.microsoft.com/office/drawing/2014/main" id="{5FACA496-AF69-919F-FF3A-CAEF4E40FD47}"/>
+              </a:ext>
+            </a:extLst>
+          </p:cNvPr>
+          <p:cNvSpPr txBox="1"/>
+          <p:nvPr/>
+        </p:nvSpPr>
+        <p:spPr>
+          <a:xfrm>
+            <a:off x="7403368" y="1761326"/>
+            <a:ext cx="4358886" cy="954107"/>
+          </a:xfrm>
+          <a:prstGeom prst="rect">
+            <a:avLst/>
+          </a:prstGeom>
+          <a:noFill/>
+        </p:spPr>
+        <p:txBody>
+          <a:bodyPr wrap="none" rtlCol="0">
+            <a:spAutoFit/>
+          </a:bodyPr>
+          <a:lstStyle/>
+          <a:p>
+            <a:pPr algn="l"/>
+            <a:r>
+              <a:rPr lang="en-US" altLang="ko-KR" sz="1400">
+                <a:latin typeface="Consolas" panose="020B0609020204030204" pitchFamily="49" charset="0"/>
+              </a:rPr>
+              <a:t>[['297', 0.0, 1.0, (106, 195, 303, 352)], </a:t>
+            </a:r>
+          </a:p>
+          <a:p>
+            <a:pPr algn="l"/>
+            <a:r>
+              <a:rPr lang="en-US" altLang="ko-KR" sz="1400">
+                <a:latin typeface="Consolas" panose="020B0609020204030204" pitchFamily="49" charset="0"/>
+              </a:rPr>
+              <a:t> ['297', 0.0, 1.0, (548, 250, 841, 419)], </a:t>
+            </a:r>
+          </a:p>
+          <a:p>
+            <a:pPr algn="l"/>
+            <a:r>
+              <a:rPr lang="en-US" altLang="ko-KR" sz="1400">
+                <a:latin typeface="Consolas" panose="020B0609020204030204" pitchFamily="49" charset="0"/>
+              </a:rPr>
+              <a:t> ['363', 0.0, 1.0, (207, 108, 624, 474)], </a:t>
+            </a:r>
+          </a:p>
+          <a:p>
+            <a:pPr algn="l"/>
+            <a:r>
+              <a:rPr lang="en-US" altLang="ko-KR" sz="1400">
+                <a:latin typeface="Consolas" panose="020B0609020204030204" pitchFamily="49" charset="0"/>
+              </a:rPr>
+              <a:t> ['299', 0.0, 1.0, (434, 223, 715, 386)]]</a:t>
+            </a:r>
+            <a:endParaRPr lang="ko-KR" altLang="en-US" sz="1400">
+              <a:latin typeface="Consolas" panose="020B0609020204030204" pitchFamily="49" charset="0"/>
+            </a:endParaRPr>
+          </a:p>
+        </p:txBody>
+      </p:sp>
+      <p:sp>
+        <p:nvSpPr>
+          <p:cNvPr id="38" name="TextBox 37">
+            <a:extLst>
+              <a:ext uri="{FF2B5EF4-FFF2-40B4-BE49-F238E27FC236}">
+                <a16:creationId xmlns:a16="http://schemas.microsoft.com/office/drawing/2014/main" id="{0FE6CC25-915A-78B3-16A4-B66CF4BFA0A2}"/>
+              </a:ext>
+            </a:extLst>
+          </p:cNvPr>
+          <p:cNvSpPr txBox="1"/>
+          <p:nvPr/>
+        </p:nvSpPr>
+        <p:spPr>
+          <a:xfrm>
+            <a:off x="8954731" y="1461849"/>
+            <a:ext cx="521297" cy="338554"/>
+          </a:xfrm>
+          <a:prstGeom prst="rect">
+            <a:avLst/>
+          </a:prstGeom>
+          <a:noFill/>
+        </p:spPr>
+        <p:txBody>
+          <a:bodyPr wrap="none" rtlCol="0">
+            <a:spAutoFit/>
+          </a:bodyPr>
+          <a:lstStyle/>
+          <a:p>
+            <a:pPr algn="l"/>
+            <a:r>
+              <a:rPr lang="en-US" altLang="ko-KR" sz="1600">
+                <a:latin typeface="Consolas" panose="020B0609020204030204" pitchFamily="49" charset="0"/>
+              </a:rPr>
+              <a:t>gts</a:t>
+            </a:r>
+            <a:endParaRPr lang="ko-KR" altLang="en-US" sz="1600">
+              <a:latin typeface="Consolas" panose="020B0609020204030204" pitchFamily="49" charset="0"/>
+            </a:endParaRPr>
+          </a:p>
+        </p:txBody>
+      </p:sp>
+      <p:sp>
+        <p:nvSpPr>
+          <p:cNvPr id="39" name="TextBox 38">
+            <a:extLst>
+              <a:ext uri="{FF2B5EF4-FFF2-40B4-BE49-F238E27FC236}">
+                <a16:creationId xmlns:a16="http://schemas.microsoft.com/office/drawing/2014/main" id="{57C574CA-D4BC-0219-AEB9-D54D9FC146BD}"/>
+              </a:ext>
+            </a:extLst>
+          </p:cNvPr>
+          <p:cNvSpPr txBox="1"/>
+          <p:nvPr/>
+        </p:nvSpPr>
+        <p:spPr>
+          <a:xfrm>
+            <a:off x="7403368" y="3123745"/>
+            <a:ext cx="4458272" cy="523220"/>
+          </a:xfrm>
+          <a:prstGeom prst="rect">
+            <a:avLst/>
+          </a:prstGeom>
+          <a:noFill/>
+        </p:spPr>
+        <p:txBody>
+          <a:bodyPr wrap="none" rtlCol="0">
+            <a:spAutoFit/>
+          </a:bodyPr>
+          <a:lstStyle/>
+          <a:p>
+            <a:pPr algn="l"/>
+            <a:r>
+              <a:rPr lang="en-US" altLang="ko-KR" sz="1400">
+                <a:latin typeface="Consolas" panose="020B0609020204030204" pitchFamily="49" charset="0"/>
+              </a:rPr>
+              <a:t> [['297', 0.0, 1.0, (106, 195, 303, 352)], </a:t>
+            </a:r>
+          </a:p>
+          <a:p>
+            <a:pPr algn="l"/>
+            <a:r>
+              <a:rPr lang="en-US" altLang="ko-KR" sz="1400">
+                <a:latin typeface="Consolas" panose="020B0609020204030204" pitchFamily="49" charset="0"/>
+              </a:rPr>
+              <a:t>  ['297', 0.0, 1.0, (548, 250, 841, 419)]]</a:t>
+            </a:r>
+          </a:p>
+        </p:txBody>
+      </p:sp>
+      <p:sp>
+        <p:nvSpPr>
+          <p:cNvPr id="40" name="TextBox 39">
+            <a:extLst>
+              <a:ext uri="{FF2B5EF4-FFF2-40B4-BE49-F238E27FC236}">
+                <a16:creationId xmlns:a16="http://schemas.microsoft.com/office/drawing/2014/main" id="{91DF7815-E77B-368F-C3DE-79B271FBCB72}"/>
+              </a:ext>
+            </a:extLst>
+          </p:cNvPr>
+          <p:cNvSpPr txBox="1"/>
+          <p:nvPr/>
+        </p:nvSpPr>
+        <p:spPr>
+          <a:xfrm>
+            <a:off x="9271485" y="2845633"/>
+            <a:ext cx="409086" cy="338554"/>
+          </a:xfrm>
+          <a:prstGeom prst="rect">
+            <a:avLst/>
+          </a:prstGeom>
+          <a:noFill/>
+        </p:spPr>
+        <p:txBody>
+          <a:bodyPr wrap="none" rtlCol="0">
+            <a:spAutoFit/>
+          </a:bodyPr>
+          <a:lstStyle/>
+          <a:p>
+            <a:pPr algn="l"/>
+            <a:r>
+              <a:rPr lang="en-US" altLang="ko-KR" sz="1600">
+                <a:latin typeface="Consolas" panose="020B0609020204030204" pitchFamily="49" charset="0"/>
+              </a:rPr>
+              <a:t>gt</a:t>
+            </a:r>
+            <a:endParaRPr lang="ko-KR" altLang="en-US" sz="1600">
               <a:latin typeface="Consolas" panose="020B0609020204030204" pitchFamily="49" charset="0"/>
             </a:endParaRPr>
           </a:p>
@@ -7475,7 +7520,7 @@
         </p:nvSpPr>
         <p:spPr>
           <a:xfrm>
-            <a:off x="637968" y="1939823"/>
+            <a:off x="364932" y="1928088"/>
             <a:ext cx="857927" cy="338554"/>
           </a:xfrm>
           <a:prstGeom prst="rect">
@@ -7628,7 +7673,7 @@
         </p:nvSpPr>
         <p:spPr>
           <a:xfrm>
-            <a:off x="1985699" y="1927751"/>
+            <a:off x="1935834" y="1967817"/>
             <a:ext cx="857927" cy="338554"/>
           </a:xfrm>
           <a:prstGeom prst="rect">
@@ -10242,7 +10287,7 @@
             <a:avLst/>
           </a:prstGeom>
           <a:solidFill>
-            <a:srgbClr val="FFFF00"/>
+            <a:schemeClr val="accent2"/>
           </a:solidFill>
         </p:spPr>
         <p:style>
@@ -10363,7 +10408,7 @@
         </p:nvSpPr>
         <p:spPr>
           <a:xfrm>
-            <a:off x="9998009" y="3921754"/>
+            <a:off x="8719557" y="3501362"/>
             <a:ext cx="224590" cy="176464"/>
           </a:xfrm>
           <a:prstGeom prst="downArrow">
@@ -10405,10 +10450,10 @@
       </p:sp>
       <p:sp>
         <p:nvSpPr>
-          <p:cNvPr id="68" name="직사각형 67">
-            <a:extLst>
-              <a:ext uri="{FF2B5EF4-FFF2-40B4-BE49-F238E27FC236}">
-                <a16:creationId xmlns:a16="http://schemas.microsoft.com/office/drawing/2014/main" id="{2B913043-760C-BC6A-1316-D1C7F6D6AC18}"/>
+          <p:cNvPr id="76" name="직사각형 75">
+            <a:extLst>
+              <a:ext uri="{FF2B5EF4-FFF2-40B4-BE49-F238E27FC236}">
+                <a16:creationId xmlns:a16="http://schemas.microsoft.com/office/drawing/2014/main" id="{978342C0-154D-191A-9ADF-4B1375F6454E}"/>
               </a:ext>
             </a:extLst>
           </p:cNvPr>
@@ -10417,7 +10462,7 @@
         </p:nvSpPr>
         <p:spPr>
           <a:xfrm>
-            <a:off x="8789919" y="2867797"/>
+            <a:off x="8573254" y="3691190"/>
             <a:ext cx="517196" cy="316832"/>
           </a:xfrm>
           <a:prstGeom prst="rect">
@@ -10455,7 +10500,7 @@
                 </a:solidFill>
                 <a:latin typeface="Consolas" panose="020B0609020204030204" pitchFamily="49" charset="0"/>
               </a:rPr>
-              <a:t>0.25</a:t>
+              <a:t>1</a:t>
             </a:r>
             <a:endParaRPr lang="ko-KR" altLang="en-US" sz="1600">
               <a:solidFill>
@@ -10468,10 +10513,10 @@
       </p:sp>
       <p:sp>
         <p:nvSpPr>
-          <p:cNvPr id="69" name="직사각형 68">
-            <a:extLst>
-              <a:ext uri="{FF2B5EF4-FFF2-40B4-BE49-F238E27FC236}">
-                <a16:creationId xmlns:a16="http://schemas.microsoft.com/office/drawing/2014/main" id="{376DE83E-D23C-BEFB-C78A-6E016F9C8FCC}"/>
+          <p:cNvPr id="77" name="직사각형 76">
+            <a:extLst>
+              <a:ext uri="{FF2B5EF4-FFF2-40B4-BE49-F238E27FC236}">
+                <a16:creationId xmlns:a16="http://schemas.microsoft.com/office/drawing/2014/main" id="{339624AD-5537-C3A4-4A42-2023A8516F2A}"/>
               </a:ext>
             </a:extLst>
           </p:cNvPr>
@@ -10480,7 +10525,7 @@
         </p:nvSpPr>
         <p:spPr>
           <a:xfrm>
-            <a:off x="9307115" y="2867797"/>
+            <a:off x="9090841" y="3692801"/>
             <a:ext cx="517196" cy="316832"/>
           </a:xfrm>
           <a:prstGeom prst="rect">
@@ -10518,7 +10563,7 @@
                 </a:solidFill>
                 <a:latin typeface="Consolas" panose="020B0609020204030204" pitchFamily="49" charset="0"/>
               </a:rPr>
-              <a:t>0.50</a:t>
+              <a:t>2</a:t>
             </a:r>
             <a:endParaRPr lang="ko-KR" altLang="en-US" sz="1600">
               <a:solidFill>
@@ -10531,10 +10576,10 @@
       </p:sp>
       <p:sp>
         <p:nvSpPr>
-          <p:cNvPr id="70" name="직사각형 69">
-            <a:extLst>
-              <a:ext uri="{FF2B5EF4-FFF2-40B4-BE49-F238E27FC236}">
-                <a16:creationId xmlns:a16="http://schemas.microsoft.com/office/drawing/2014/main" id="{188BFA02-F475-F15B-2603-C831AFE5ADCE}"/>
+          <p:cNvPr id="78" name="직사각형 77">
+            <a:extLst>
+              <a:ext uri="{FF2B5EF4-FFF2-40B4-BE49-F238E27FC236}">
+                <a16:creationId xmlns:a16="http://schemas.microsoft.com/office/drawing/2014/main" id="{667CE80D-00AA-676F-66C9-36979E823CBA}"/>
               </a:ext>
             </a:extLst>
           </p:cNvPr>
@@ -10543,7 +10588,7 @@
         </p:nvSpPr>
         <p:spPr>
           <a:xfrm>
-            <a:off x="9824311" y="2867797"/>
+            <a:off x="9607646" y="3691190"/>
             <a:ext cx="517196" cy="316832"/>
           </a:xfrm>
           <a:prstGeom prst="rect">
@@ -10581,7 +10626,7 @@
                 </a:solidFill>
                 <a:latin typeface="Consolas" panose="020B0609020204030204" pitchFamily="49" charset="0"/>
               </a:rPr>
-              <a:t>0.75</a:t>
+              <a:t>3</a:t>
             </a:r>
             <a:endParaRPr lang="ko-KR" altLang="en-US" sz="1600">
               <a:solidFill>
@@ -10594,10 +10639,10 @@
       </p:sp>
       <p:sp>
         <p:nvSpPr>
-          <p:cNvPr id="71" name="직사각형 70">
-            <a:extLst>
-              <a:ext uri="{FF2B5EF4-FFF2-40B4-BE49-F238E27FC236}">
-                <a16:creationId xmlns:a16="http://schemas.microsoft.com/office/drawing/2014/main" id="{B04714C6-DBB7-0D10-6632-3FE8BE164E5A}"/>
+          <p:cNvPr id="79" name="직사각형 78">
+            <a:extLst>
+              <a:ext uri="{FF2B5EF4-FFF2-40B4-BE49-F238E27FC236}">
+                <a16:creationId xmlns:a16="http://schemas.microsoft.com/office/drawing/2014/main" id="{FD408EF5-6299-E46D-4126-6CE59F0E7788}"/>
               </a:ext>
             </a:extLst>
           </p:cNvPr>
@@ -10606,7 +10651,7 @@
         </p:nvSpPr>
         <p:spPr>
           <a:xfrm>
-            <a:off x="10341507" y="2867797"/>
+            <a:off x="10124842" y="3691190"/>
             <a:ext cx="517196" cy="316832"/>
           </a:xfrm>
           <a:prstGeom prst="rect">
@@ -10644,7 +10689,7 @@
                 </a:solidFill>
                 <a:latin typeface="Consolas" panose="020B0609020204030204" pitchFamily="49" charset="0"/>
               </a:rPr>
-              <a:t>0.75</a:t>
+              <a:t>4</a:t>
             </a:r>
             <a:endParaRPr lang="ko-KR" altLang="en-US" sz="1600">
               <a:solidFill>
@@ -10657,10 +10702,51 @@
       </p:sp>
       <p:sp>
         <p:nvSpPr>
-          <p:cNvPr id="72" name="직사각형 71">
-            <a:extLst>
-              <a:ext uri="{FF2B5EF4-FFF2-40B4-BE49-F238E27FC236}">
-                <a16:creationId xmlns:a16="http://schemas.microsoft.com/office/drawing/2014/main" id="{F995B64F-3F9B-C5CE-DAD1-15CF69B47169}"/>
+          <p:cNvPr id="80" name="TextBox 79">
+            <a:extLst>
+              <a:ext uri="{FF2B5EF4-FFF2-40B4-BE49-F238E27FC236}">
+                <a16:creationId xmlns:a16="http://schemas.microsoft.com/office/drawing/2014/main" id="{081F716C-8E8F-2F6E-B32C-2D7ABEC99AAC}"/>
+              </a:ext>
+            </a:extLst>
+          </p:cNvPr>
+          <p:cNvSpPr txBox="1"/>
+          <p:nvPr/>
+        </p:nvSpPr>
+        <p:spPr>
+          <a:xfrm>
+            <a:off x="8164168" y="3352636"/>
+            <a:ext cx="409086" cy="338554"/>
+          </a:xfrm>
+          <a:prstGeom prst="rect">
+            <a:avLst/>
+          </a:prstGeom>
+          <a:noFill/>
+        </p:spPr>
+        <p:txBody>
+          <a:bodyPr wrap="none" rtlCol="0">
+            <a:spAutoFit/>
+          </a:bodyPr>
+          <a:lstStyle/>
+          <a:p>
+            <a:pPr algn="l"/>
+            <a:r>
+              <a:rPr lang="en-US" altLang="ko-KR" sz="1600">
+                <a:latin typeface="Consolas" panose="020B0609020204030204" pitchFamily="49" charset="0"/>
+              </a:rPr>
+              <a:t>ii</a:t>
+            </a:r>
+            <a:endParaRPr lang="ko-KR" altLang="en-US" sz="1600">
+              <a:latin typeface="Consolas" panose="020B0609020204030204" pitchFamily="49" charset="0"/>
+            </a:endParaRPr>
+          </a:p>
+        </p:txBody>
+      </p:sp>
+      <p:sp>
+        <p:nvSpPr>
+          <p:cNvPr id="81" name="직사각형 80">
+            <a:extLst>
+              <a:ext uri="{FF2B5EF4-FFF2-40B4-BE49-F238E27FC236}">
+                <a16:creationId xmlns:a16="http://schemas.microsoft.com/office/drawing/2014/main" id="{F178DCF7-B55D-4AB6-E51F-BA395FC1A51D}"/>
               </a:ext>
             </a:extLst>
           </p:cNvPr>
@@ -10669,7 +10755,7 @@
         </p:nvSpPr>
         <p:spPr>
           <a:xfrm>
-            <a:off x="9307115" y="3429000"/>
+            <a:off x="8577317" y="4266455"/>
             <a:ext cx="517196" cy="316832"/>
           </a:xfrm>
           <a:prstGeom prst="rect">
@@ -10707,7 +10793,7 @@
                 </a:solidFill>
                 <a:latin typeface="Consolas" panose="020B0609020204030204" pitchFamily="49" charset="0"/>
               </a:rPr>
-              <a:t>0.25</a:t>
+              <a:t>0.75</a:t>
             </a:r>
             <a:endParaRPr lang="ko-KR" altLang="en-US" sz="1600">
               <a:solidFill>
@@ -10720,451 +10806,10 @@
       </p:sp>
       <p:sp>
         <p:nvSpPr>
-          <p:cNvPr id="73" name="직사각형 72">
-            <a:extLst>
-              <a:ext uri="{FF2B5EF4-FFF2-40B4-BE49-F238E27FC236}">
-                <a16:creationId xmlns:a16="http://schemas.microsoft.com/office/drawing/2014/main" id="{AC834F8B-F2A8-2BBC-54CA-47E31FE30E7E}"/>
-              </a:ext>
-            </a:extLst>
-          </p:cNvPr>
-          <p:cNvSpPr/>
-          <p:nvPr/>
-        </p:nvSpPr>
-        <p:spPr>
-          <a:xfrm>
-            <a:off x="9824311" y="3429000"/>
-            <a:ext cx="517196" cy="316832"/>
-          </a:xfrm>
-          <a:prstGeom prst="rect">
-            <a:avLst/>
-          </a:prstGeom>
-          <a:solidFill>
-            <a:srgbClr val="FFFF00"/>
-          </a:solidFill>
-        </p:spPr>
-        <p:style>
-          <a:lnRef idx="2">
-            <a:schemeClr val="accent1">
-              <a:shade val="50000"/>
-            </a:schemeClr>
-          </a:lnRef>
-          <a:fillRef idx="1">
-            <a:schemeClr val="accent1"/>
-          </a:fillRef>
-          <a:effectRef idx="0">
-            <a:schemeClr val="accent1"/>
-          </a:effectRef>
-          <a:fontRef idx="minor">
-            <a:schemeClr val="lt1"/>
-          </a:fontRef>
-        </p:style>
-        <p:txBody>
-          <a:bodyPr lIns="36000" rIns="36000" rtlCol="0" anchor="ctr"/>
-          <a:lstStyle/>
-          <a:p>
-            <a:pPr algn="ctr"/>
-            <a:r>
-              <a:rPr lang="en-US" altLang="ko-KR" sz="1600">
-                <a:solidFill>
-                  <a:schemeClr val="tx1"/>
-                </a:solidFill>
-                <a:latin typeface="Consolas" panose="020B0609020204030204" pitchFamily="49" charset="0"/>
-              </a:rPr>
-              <a:t>0.50</a:t>
-            </a:r>
-            <a:endParaRPr lang="ko-KR" altLang="en-US" sz="1600">
-              <a:solidFill>
-                <a:schemeClr val="tx1"/>
-              </a:solidFill>
-              <a:latin typeface="Consolas" panose="020B0609020204030204" pitchFamily="49" charset="0"/>
-            </a:endParaRPr>
-          </a:p>
-        </p:txBody>
-      </p:sp>
-      <p:sp>
-        <p:nvSpPr>
-          <p:cNvPr id="74" name="직사각형 73">
-            <a:extLst>
-              <a:ext uri="{FF2B5EF4-FFF2-40B4-BE49-F238E27FC236}">
-                <a16:creationId xmlns:a16="http://schemas.microsoft.com/office/drawing/2014/main" id="{904EAAAC-6B21-B1FC-BC76-909743BD1988}"/>
-              </a:ext>
-            </a:extLst>
-          </p:cNvPr>
-          <p:cNvSpPr/>
-          <p:nvPr/>
-        </p:nvSpPr>
-        <p:spPr>
-          <a:xfrm>
-            <a:off x="10341507" y="3429000"/>
-            <a:ext cx="517196" cy="316832"/>
-          </a:xfrm>
-          <a:prstGeom prst="rect">
-            <a:avLst/>
-          </a:prstGeom>
-          <a:solidFill>
-            <a:srgbClr val="FFFF00"/>
-          </a:solidFill>
-        </p:spPr>
-        <p:style>
-          <a:lnRef idx="2">
-            <a:schemeClr val="accent1">
-              <a:shade val="50000"/>
-            </a:schemeClr>
-          </a:lnRef>
-          <a:fillRef idx="1">
-            <a:schemeClr val="accent1"/>
-          </a:fillRef>
-          <a:effectRef idx="0">
-            <a:schemeClr val="accent1"/>
-          </a:effectRef>
-          <a:fontRef idx="minor">
-            <a:schemeClr val="lt1"/>
-          </a:fontRef>
-        </p:style>
-        <p:txBody>
-          <a:bodyPr lIns="36000" rIns="36000" rtlCol="0" anchor="ctr"/>
-          <a:lstStyle/>
-          <a:p>
-            <a:pPr algn="ctr"/>
-            <a:r>
-              <a:rPr lang="en-US" altLang="ko-KR" sz="1600">
-                <a:solidFill>
-                  <a:schemeClr val="tx1"/>
-                </a:solidFill>
-                <a:latin typeface="Consolas" panose="020B0609020204030204" pitchFamily="49" charset="0"/>
-              </a:rPr>
-              <a:t>0.75</a:t>
-            </a:r>
-            <a:endParaRPr lang="ko-KR" altLang="en-US" sz="1600">
-              <a:solidFill>
-                <a:schemeClr val="tx1"/>
-              </a:solidFill>
-              <a:latin typeface="Consolas" panose="020B0609020204030204" pitchFamily="49" charset="0"/>
-            </a:endParaRPr>
-          </a:p>
-        </p:txBody>
-      </p:sp>
-      <p:sp>
-        <p:nvSpPr>
-          <p:cNvPr id="75" name="직사각형 74">
-            <a:extLst>
-              <a:ext uri="{FF2B5EF4-FFF2-40B4-BE49-F238E27FC236}">
-                <a16:creationId xmlns:a16="http://schemas.microsoft.com/office/drawing/2014/main" id="{46FC3A2C-6ACF-21A9-7D20-EE90092E12F3}"/>
-              </a:ext>
-            </a:extLst>
-          </p:cNvPr>
-          <p:cNvSpPr/>
-          <p:nvPr/>
-        </p:nvSpPr>
-        <p:spPr>
-          <a:xfrm>
-            <a:off x="8789919" y="3429000"/>
-            <a:ext cx="517196" cy="316832"/>
-          </a:xfrm>
-          <a:prstGeom prst="rect">
-            <a:avLst/>
-          </a:prstGeom>
-          <a:solidFill>
-            <a:srgbClr val="FFFF00"/>
-          </a:solidFill>
-        </p:spPr>
-        <p:style>
-          <a:lnRef idx="2">
-            <a:schemeClr val="accent1">
-              <a:shade val="50000"/>
-            </a:schemeClr>
-          </a:lnRef>
-          <a:fillRef idx="1">
-            <a:schemeClr val="accent1"/>
-          </a:fillRef>
-          <a:effectRef idx="0">
-            <a:schemeClr val="accent1"/>
-          </a:effectRef>
-          <a:fontRef idx="minor">
-            <a:schemeClr val="lt1"/>
-          </a:fontRef>
-        </p:style>
-        <p:txBody>
-          <a:bodyPr lIns="36000" rIns="36000" rtlCol="0" anchor="ctr"/>
-          <a:lstStyle/>
-          <a:p>
-            <a:pPr algn="ctr"/>
-            <a:r>
-              <a:rPr lang="en-US" altLang="ko-KR" sz="1600">
-                <a:solidFill>
-                  <a:schemeClr val="tx1"/>
-                </a:solidFill>
-                <a:latin typeface="Consolas" panose="020B0609020204030204" pitchFamily="49" charset="0"/>
-              </a:rPr>
-              <a:t>0.0</a:t>
-            </a:r>
-            <a:endParaRPr lang="ko-KR" altLang="en-US" sz="1600">
-              <a:solidFill>
-                <a:schemeClr val="tx1"/>
-              </a:solidFill>
-              <a:latin typeface="Consolas" panose="020B0609020204030204" pitchFamily="49" charset="0"/>
-            </a:endParaRPr>
-          </a:p>
-        </p:txBody>
-      </p:sp>
-      <p:sp>
-        <p:nvSpPr>
-          <p:cNvPr id="76" name="직사각형 75">
-            <a:extLst>
-              <a:ext uri="{FF2B5EF4-FFF2-40B4-BE49-F238E27FC236}">
-                <a16:creationId xmlns:a16="http://schemas.microsoft.com/office/drawing/2014/main" id="{978342C0-154D-191A-9ADF-4B1375F6454E}"/>
-              </a:ext>
-            </a:extLst>
-          </p:cNvPr>
-          <p:cNvSpPr/>
-          <p:nvPr/>
-        </p:nvSpPr>
-        <p:spPr>
-          <a:xfrm>
-            <a:off x="8789919" y="4129675"/>
-            <a:ext cx="517196" cy="316832"/>
-          </a:xfrm>
-          <a:prstGeom prst="rect">
-            <a:avLst/>
-          </a:prstGeom>
-          <a:solidFill>
-            <a:srgbClr val="FFFF00"/>
-          </a:solidFill>
-        </p:spPr>
-        <p:style>
-          <a:lnRef idx="2">
-            <a:schemeClr val="accent1">
-              <a:shade val="50000"/>
-            </a:schemeClr>
-          </a:lnRef>
-          <a:fillRef idx="1">
-            <a:schemeClr val="accent1"/>
-          </a:fillRef>
-          <a:effectRef idx="0">
-            <a:schemeClr val="accent1"/>
-          </a:effectRef>
-          <a:fontRef idx="minor">
-            <a:schemeClr val="lt1"/>
-          </a:fontRef>
-        </p:style>
-        <p:txBody>
-          <a:bodyPr lIns="36000" rIns="36000" rtlCol="0" anchor="ctr"/>
-          <a:lstStyle/>
-          <a:p>
-            <a:pPr algn="ctr"/>
-            <a:r>
-              <a:rPr lang="en-US" altLang="ko-KR" sz="1600">
-                <a:solidFill>
-                  <a:schemeClr val="tx1"/>
-                </a:solidFill>
-                <a:latin typeface="Consolas" panose="020B0609020204030204" pitchFamily="49" charset="0"/>
-              </a:rPr>
-              <a:t>1</a:t>
-            </a:r>
-            <a:endParaRPr lang="ko-KR" altLang="en-US" sz="1600">
-              <a:solidFill>
-                <a:schemeClr val="tx1"/>
-              </a:solidFill>
-              <a:latin typeface="Consolas" panose="020B0609020204030204" pitchFamily="49" charset="0"/>
-            </a:endParaRPr>
-          </a:p>
-        </p:txBody>
-      </p:sp>
-      <p:sp>
-        <p:nvSpPr>
-          <p:cNvPr id="77" name="직사각형 76">
-            <a:extLst>
-              <a:ext uri="{FF2B5EF4-FFF2-40B4-BE49-F238E27FC236}">
-                <a16:creationId xmlns:a16="http://schemas.microsoft.com/office/drawing/2014/main" id="{339624AD-5537-C3A4-4A42-2023A8516F2A}"/>
-              </a:ext>
-            </a:extLst>
-          </p:cNvPr>
-          <p:cNvSpPr/>
-          <p:nvPr/>
-        </p:nvSpPr>
-        <p:spPr>
-          <a:xfrm>
-            <a:off x="9311178" y="4131286"/>
-            <a:ext cx="517196" cy="316832"/>
-          </a:xfrm>
-          <a:prstGeom prst="rect">
-            <a:avLst/>
-          </a:prstGeom>
-          <a:solidFill>
-            <a:srgbClr val="FFFF00"/>
-          </a:solidFill>
-        </p:spPr>
-        <p:style>
-          <a:lnRef idx="2">
-            <a:schemeClr val="accent1">
-              <a:shade val="50000"/>
-            </a:schemeClr>
-          </a:lnRef>
-          <a:fillRef idx="1">
-            <a:schemeClr val="accent1"/>
-          </a:fillRef>
-          <a:effectRef idx="0">
-            <a:schemeClr val="accent1"/>
-          </a:effectRef>
-          <a:fontRef idx="minor">
-            <a:schemeClr val="lt1"/>
-          </a:fontRef>
-        </p:style>
-        <p:txBody>
-          <a:bodyPr lIns="36000" rIns="36000" rtlCol="0" anchor="ctr"/>
-          <a:lstStyle/>
-          <a:p>
-            <a:pPr algn="ctr"/>
-            <a:r>
-              <a:rPr lang="en-US" altLang="ko-KR" sz="1600">
-                <a:solidFill>
-                  <a:schemeClr val="tx1"/>
-                </a:solidFill>
-                <a:latin typeface="Consolas" panose="020B0609020204030204" pitchFamily="49" charset="0"/>
-              </a:rPr>
-              <a:t>2</a:t>
-            </a:r>
-            <a:endParaRPr lang="ko-KR" altLang="en-US" sz="1600">
-              <a:solidFill>
-                <a:schemeClr val="tx1"/>
-              </a:solidFill>
-              <a:latin typeface="Consolas" panose="020B0609020204030204" pitchFamily="49" charset="0"/>
-            </a:endParaRPr>
-          </a:p>
-        </p:txBody>
-      </p:sp>
-      <p:sp>
-        <p:nvSpPr>
-          <p:cNvPr id="78" name="직사각형 77">
-            <a:extLst>
-              <a:ext uri="{FF2B5EF4-FFF2-40B4-BE49-F238E27FC236}">
-                <a16:creationId xmlns:a16="http://schemas.microsoft.com/office/drawing/2014/main" id="{667CE80D-00AA-676F-66C9-36979E823CBA}"/>
-              </a:ext>
-            </a:extLst>
-          </p:cNvPr>
-          <p:cNvSpPr/>
-          <p:nvPr/>
-        </p:nvSpPr>
-        <p:spPr>
-          <a:xfrm>
-            <a:off x="9824311" y="4129675"/>
-            <a:ext cx="517196" cy="316832"/>
-          </a:xfrm>
-          <a:prstGeom prst="rect">
-            <a:avLst/>
-          </a:prstGeom>
-          <a:solidFill>
-            <a:srgbClr val="FFFF00"/>
-          </a:solidFill>
-        </p:spPr>
-        <p:style>
-          <a:lnRef idx="2">
-            <a:schemeClr val="accent1">
-              <a:shade val="50000"/>
-            </a:schemeClr>
-          </a:lnRef>
-          <a:fillRef idx="1">
-            <a:schemeClr val="accent1"/>
-          </a:fillRef>
-          <a:effectRef idx="0">
-            <a:schemeClr val="accent1"/>
-          </a:effectRef>
-          <a:fontRef idx="minor">
-            <a:schemeClr val="lt1"/>
-          </a:fontRef>
-        </p:style>
-        <p:txBody>
-          <a:bodyPr lIns="36000" rIns="36000" rtlCol="0" anchor="ctr"/>
-          <a:lstStyle/>
-          <a:p>
-            <a:pPr algn="ctr"/>
-            <a:r>
-              <a:rPr lang="en-US" altLang="ko-KR" sz="1600">
-                <a:solidFill>
-                  <a:schemeClr val="tx1"/>
-                </a:solidFill>
-                <a:latin typeface="Consolas" panose="020B0609020204030204" pitchFamily="49" charset="0"/>
-              </a:rPr>
-              <a:t>3</a:t>
-            </a:r>
-            <a:endParaRPr lang="ko-KR" altLang="en-US" sz="1600">
-              <a:solidFill>
-                <a:schemeClr val="tx1"/>
-              </a:solidFill>
-              <a:latin typeface="Consolas" panose="020B0609020204030204" pitchFamily="49" charset="0"/>
-            </a:endParaRPr>
-          </a:p>
-        </p:txBody>
-      </p:sp>
-      <p:sp>
-        <p:nvSpPr>
-          <p:cNvPr id="79" name="직사각형 78">
-            <a:extLst>
-              <a:ext uri="{FF2B5EF4-FFF2-40B4-BE49-F238E27FC236}">
-                <a16:creationId xmlns:a16="http://schemas.microsoft.com/office/drawing/2014/main" id="{FD408EF5-6299-E46D-4126-6CE59F0E7788}"/>
-              </a:ext>
-            </a:extLst>
-          </p:cNvPr>
-          <p:cNvSpPr/>
-          <p:nvPr/>
-        </p:nvSpPr>
-        <p:spPr>
-          <a:xfrm>
-            <a:off x="10341507" y="4129675"/>
-            <a:ext cx="517196" cy="316832"/>
-          </a:xfrm>
-          <a:prstGeom prst="rect">
-            <a:avLst/>
-          </a:prstGeom>
-          <a:solidFill>
-            <a:srgbClr val="FFFF00"/>
-          </a:solidFill>
-        </p:spPr>
-        <p:style>
-          <a:lnRef idx="2">
-            <a:schemeClr val="accent1">
-              <a:shade val="50000"/>
-            </a:schemeClr>
-          </a:lnRef>
-          <a:fillRef idx="1">
-            <a:schemeClr val="accent1"/>
-          </a:fillRef>
-          <a:effectRef idx="0">
-            <a:schemeClr val="accent1"/>
-          </a:effectRef>
-          <a:fontRef idx="minor">
-            <a:schemeClr val="lt1"/>
-          </a:fontRef>
-        </p:style>
-        <p:txBody>
-          <a:bodyPr lIns="36000" rIns="36000" rtlCol="0" anchor="ctr"/>
-          <a:lstStyle/>
-          <a:p>
-            <a:pPr algn="ctr"/>
-            <a:r>
-              <a:rPr lang="en-US" altLang="ko-KR" sz="1600">
-                <a:solidFill>
-                  <a:schemeClr val="tx1"/>
-                </a:solidFill>
-                <a:latin typeface="Consolas" panose="020B0609020204030204" pitchFamily="49" charset="0"/>
-              </a:rPr>
-              <a:t>4</a:t>
-            </a:r>
-            <a:endParaRPr lang="ko-KR" altLang="en-US" sz="1600">
-              <a:solidFill>
-                <a:schemeClr val="tx1"/>
-              </a:solidFill>
-              <a:latin typeface="Consolas" panose="020B0609020204030204" pitchFamily="49" charset="0"/>
-            </a:endParaRPr>
-          </a:p>
-        </p:txBody>
-      </p:sp>
-      <p:sp>
-        <p:nvSpPr>
-          <p:cNvPr id="80" name="TextBox 79">
-            <a:extLst>
-              <a:ext uri="{FF2B5EF4-FFF2-40B4-BE49-F238E27FC236}">
-                <a16:creationId xmlns:a16="http://schemas.microsoft.com/office/drawing/2014/main" id="{081F716C-8E8F-2F6E-B32C-2D7ABEC99AAC}"/>
+          <p:cNvPr id="82" name="TextBox 81">
+            <a:extLst>
+              <a:ext uri="{FF2B5EF4-FFF2-40B4-BE49-F238E27FC236}">
+                <a16:creationId xmlns:a16="http://schemas.microsoft.com/office/drawing/2014/main" id="{CA63BF58-71C0-31D2-2EBF-58E7DC382E0E}"/>
               </a:ext>
             </a:extLst>
           </p:cNvPr>
@@ -11173,111 +10818,7 @@
         </p:nvSpPr>
         <p:spPr>
           <a:xfrm>
-            <a:off x="8380833" y="3791121"/>
-            <a:ext cx="409086" cy="338554"/>
-          </a:xfrm>
-          <a:prstGeom prst="rect">
-            <a:avLst/>
-          </a:prstGeom>
-          <a:noFill/>
-        </p:spPr>
-        <p:txBody>
-          <a:bodyPr wrap="none" rtlCol="0">
-            <a:spAutoFit/>
-          </a:bodyPr>
-          <a:lstStyle/>
-          <a:p>
-            <a:pPr algn="l"/>
-            <a:r>
-              <a:rPr lang="en-US" altLang="ko-KR" sz="1600">
-                <a:latin typeface="Consolas" panose="020B0609020204030204" pitchFamily="49" charset="0"/>
-              </a:rPr>
-              <a:t>ii</a:t>
-            </a:r>
-            <a:endParaRPr lang="ko-KR" altLang="en-US" sz="1600">
-              <a:latin typeface="Consolas" panose="020B0609020204030204" pitchFamily="49" charset="0"/>
-            </a:endParaRPr>
-          </a:p>
-        </p:txBody>
-      </p:sp>
-      <p:sp>
-        <p:nvSpPr>
-          <p:cNvPr id="81" name="직사각형 80">
-            <a:extLst>
-              <a:ext uri="{FF2B5EF4-FFF2-40B4-BE49-F238E27FC236}">
-                <a16:creationId xmlns:a16="http://schemas.microsoft.com/office/drawing/2014/main" id="{F178DCF7-B55D-4AB6-E51F-BA395FC1A51D}"/>
-              </a:ext>
-            </a:extLst>
-          </p:cNvPr>
-          <p:cNvSpPr/>
-          <p:nvPr/>
-        </p:nvSpPr>
-        <p:spPr>
-          <a:xfrm>
-            <a:off x="8793982" y="4704940"/>
-            <a:ext cx="517196" cy="316832"/>
-          </a:xfrm>
-          <a:prstGeom prst="rect">
-            <a:avLst/>
-          </a:prstGeom>
-          <a:solidFill>
-            <a:srgbClr val="FFFF00"/>
-          </a:solidFill>
-        </p:spPr>
-        <p:style>
-          <a:lnRef idx="2">
-            <a:schemeClr val="accent1">
-              <a:shade val="50000"/>
-            </a:schemeClr>
-          </a:lnRef>
-          <a:fillRef idx="1">
-            <a:schemeClr val="accent1"/>
-          </a:fillRef>
-          <a:effectRef idx="0">
-            <a:schemeClr val="accent1"/>
-          </a:effectRef>
-          <a:fontRef idx="minor">
-            <a:schemeClr val="lt1"/>
-          </a:fontRef>
-        </p:style>
-        <p:txBody>
-          <a:bodyPr lIns="36000" rIns="36000" rtlCol="0" anchor="ctr"/>
-          <a:lstStyle/>
-          <a:p>
-            <a:pPr algn="ctr"/>
-            <a:r>
-              <a:rPr lang="en-US" altLang="ko-KR" sz="1600">
-                <a:solidFill>
-                  <a:schemeClr val="tx1"/>
-                </a:solidFill>
-                <a:latin typeface="Consolas" panose="020B0609020204030204" pitchFamily="49" charset="0"/>
-              </a:rPr>
-              <a:t>0.75</a:t>
-            </a:r>
-            <a:endParaRPr lang="ko-KR" altLang="en-US" sz="1600">
-              <a:solidFill>
-                <a:schemeClr val="tx1"/>
-              </a:solidFill>
-              <a:latin typeface="Consolas" panose="020B0609020204030204" pitchFamily="49" charset="0"/>
-            </a:endParaRPr>
-          </a:p>
-        </p:txBody>
-      </p:sp>
-      <p:sp>
-        <p:nvSpPr>
-          <p:cNvPr id="82" name="TextBox 81">
-            <a:extLst>
-              <a:ext uri="{FF2B5EF4-FFF2-40B4-BE49-F238E27FC236}">
-                <a16:creationId xmlns:a16="http://schemas.microsoft.com/office/drawing/2014/main" id="{CA63BF58-71C0-31D2-2EBF-58E7DC382E0E}"/>
-              </a:ext>
-            </a:extLst>
-          </p:cNvPr>
-          <p:cNvSpPr txBox="1"/>
-          <p:nvPr/>
-        </p:nvSpPr>
-        <p:spPr>
-          <a:xfrm>
-            <a:off x="8412365" y="4584685"/>
+            <a:off x="8195700" y="4146200"/>
             <a:ext cx="409086" cy="338554"/>
           </a:xfrm>
           <a:prstGeom prst="rect">
@@ -17507,7 +17048,7 @@
         </p:nvSpPr>
         <p:spPr>
           <a:xfrm>
-            <a:off x="9270077" y="2050294"/>
+            <a:off x="9375011" y="2050294"/>
             <a:ext cx="1794966" cy="1310527"/>
           </a:xfrm>
           <a:prstGeom prst="rect">
@@ -17556,7 +17097,7 @@
         </p:nvSpPr>
         <p:spPr>
           <a:xfrm>
-            <a:off x="9992669" y="2679577"/>
+            <a:off x="10221279" y="2679577"/>
             <a:ext cx="45719" cy="45719"/>
           </a:xfrm>
           <a:prstGeom prst="ellipse">
@@ -17610,7 +17151,7 @@
         </p:nvSpPr>
         <p:spPr>
           <a:xfrm>
-            <a:off x="9992669" y="2494911"/>
+            <a:off x="10464869" y="2517770"/>
             <a:ext cx="2590774" cy="369332"/>
           </a:xfrm>
           <a:prstGeom prst="rect">
@@ -17651,7 +17192,7 @@
         </p:nvSpPr>
         <p:spPr>
           <a:xfrm>
-            <a:off x="9270076" y="1756247"/>
+            <a:off x="9588617" y="1669532"/>
             <a:ext cx="1451038" cy="369332"/>
           </a:xfrm>
           <a:prstGeom prst="rect">
@@ -17733,7 +17274,7 @@
         </p:nvSpPr>
         <p:spPr>
           <a:xfrm>
-            <a:off x="7969233" y="404430"/>
+            <a:off x="6728797" y="385379"/>
             <a:ext cx="5630067" cy="369332"/>
           </a:xfrm>
           <a:prstGeom prst="rect">
@@ -17979,7 +17520,7 @@
         </p:nvSpPr>
         <p:spPr>
           <a:xfrm>
-            <a:off x="7964928" y="78803"/>
+            <a:off x="6690764" y="69116"/>
             <a:ext cx="5630067" cy="369332"/>
           </a:xfrm>
           <a:prstGeom prst="rect">
@@ -18006,6 +17547,145 @@
           </a:p>
         </p:txBody>
       </p:sp>
+      <p:sp>
+        <p:nvSpPr>
+          <p:cNvPr id="2" name="타원 1">
+            <a:extLst>
+              <a:ext uri="{FF2B5EF4-FFF2-40B4-BE49-F238E27FC236}">
+                <a16:creationId xmlns:a16="http://schemas.microsoft.com/office/drawing/2014/main" id="{55ED5AFB-B1BA-C895-F7C9-00385346407E}"/>
+              </a:ext>
+            </a:extLst>
+          </p:cNvPr>
+          <p:cNvSpPr/>
+          <p:nvPr/>
+        </p:nvSpPr>
+        <p:spPr>
+          <a:xfrm>
+            <a:off x="9352151" y="2027434"/>
+            <a:ext cx="45719" cy="45719"/>
+          </a:xfrm>
+          <a:prstGeom prst="ellipse">
+            <a:avLst/>
+          </a:prstGeom>
+          <a:solidFill>
+            <a:srgbClr val="FF0000"/>
+          </a:solidFill>
+          <a:ln>
+            <a:solidFill>
+              <a:srgbClr val="FF0000"/>
+            </a:solidFill>
+          </a:ln>
+        </p:spPr>
+        <p:style>
+          <a:lnRef idx="2">
+            <a:schemeClr val="accent1">
+              <a:shade val="50000"/>
+            </a:schemeClr>
+          </a:lnRef>
+          <a:fillRef idx="1">
+            <a:schemeClr val="accent1"/>
+          </a:fillRef>
+          <a:effectRef idx="0">
+            <a:schemeClr val="accent1"/>
+          </a:effectRef>
+          <a:fontRef idx="minor">
+            <a:schemeClr val="lt1"/>
+          </a:fontRef>
+        </p:style>
+        <p:txBody>
+          <a:bodyPr rtlCol="0" anchor="ctr"/>
+          <a:lstStyle/>
+          <a:p>
+            <a:pPr algn="ctr"/>
+            <a:endParaRPr lang="ko-KR" altLang="en-US"/>
+          </a:p>
+        </p:txBody>
+      </p:sp>
+      <p:cxnSp>
+        <p:nvCxnSpPr>
+          <p:cNvPr id="4" name="직선 화살표 연결선 3">
+            <a:extLst>
+              <a:ext uri="{FF2B5EF4-FFF2-40B4-BE49-F238E27FC236}">
+                <a16:creationId xmlns:a16="http://schemas.microsoft.com/office/drawing/2014/main" id="{0B413654-8C78-5E77-C2C8-8DF27F4A0FE4}"/>
+              </a:ext>
+            </a:extLst>
+          </p:cNvPr>
+          <p:cNvCxnSpPr>
+            <a:cxnSpLocks/>
+            <a:endCxn id="30" idx="1"/>
+          </p:cNvCxnSpPr>
+          <p:nvPr/>
+        </p:nvCxnSpPr>
+        <p:spPr>
+          <a:xfrm flipH="1">
+            <a:off x="9375011" y="2705558"/>
+            <a:ext cx="846268" cy="0"/>
+          </a:xfrm>
+          <a:prstGeom prst="straightConnector1">
+            <a:avLst/>
+          </a:prstGeom>
+          <a:ln>
+            <a:tailEnd type="triangle"/>
+          </a:ln>
+        </p:spPr>
+        <p:style>
+          <a:lnRef idx="1">
+            <a:schemeClr val="accent1"/>
+          </a:lnRef>
+          <a:fillRef idx="0">
+            <a:schemeClr val="accent1"/>
+          </a:fillRef>
+          <a:effectRef idx="0">
+            <a:schemeClr val="accent1"/>
+          </a:effectRef>
+          <a:fontRef idx="minor">
+            <a:schemeClr val="tx1"/>
+          </a:fontRef>
+        </p:style>
+      </p:cxnSp>
+      <p:cxnSp>
+        <p:nvCxnSpPr>
+          <p:cNvPr id="5" name="직선 화살표 연결선 4">
+            <a:extLst>
+              <a:ext uri="{FF2B5EF4-FFF2-40B4-BE49-F238E27FC236}">
+                <a16:creationId xmlns:a16="http://schemas.microsoft.com/office/drawing/2014/main" id="{6D29184D-BD40-4369-FC25-96C02CF07AF2}"/>
+              </a:ext>
+            </a:extLst>
+          </p:cNvPr>
+          <p:cNvCxnSpPr>
+            <a:cxnSpLocks/>
+            <a:stCxn id="37" idx="7"/>
+            <a:endCxn id="30" idx="0"/>
+          </p:cNvCxnSpPr>
+          <p:nvPr/>
+        </p:nvCxnSpPr>
+        <p:spPr>
+          <a:xfrm flipV="1">
+            <a:off x="10260303" y="2050294"/>
+            <a:ext cx="12191" cy="635978"/>
+          </a:xfrm>
+          <a:prstGeom prst="straightConnector1">
+            <a:avLst/>
+          </a:prstGeom>
+          <a:ln>
+            <a:tailEnd type="triangle"/>
+          </a:ln>
+        </p:spPr>
+        <p:style>
+          <a:lnRef idx="1">
+            <a:schemeClr val="accent1"/>
+          </a:lnRef>
+          <a:fillRef idx="0">
+            <a:schemeClr val="accent1"/>
+          </a:fillRef>
+          <a:effectRef idx="0">
+            <a:schemeClr val="accent1"/>
+          </a:effectRef>
+          <a:fontRef idx="minor">
+            <a:schemeClr val="tx1"/>
+          </a:fontRef>
+        </p:style>
+      </p:cxnSp>
     </p:spTree>
     <p:extLst>
       <p:ext uri="{BB962C8B-B14F-4D97-AF65-F5344CB8AC3E}">
@@ -18205,8 +17885,8 @@
         </p:nvSpPr>
         <p:spPr>
           <a:xfrm>
-            <a:off x="7003089" y="3340908"/>
-            <a:ext cx="5009705" cy="830997"/>
+            <a:off x="7109585" y="2556187"/>
+            <a:ext cx="4358886" cy="738664"/>
           </a:xfrm>
           <a:prstGeom prst="rect">
             <a:avLst/>
@@ -18221,30 +17901,75 @@
           <a:p>
             <a:pPr algn="l"/>
             <a:r>
-              <a:rPr lang="en-US" altLang="ko-KR" sz="1600">
-                <a:latin typeface="Consolas" panose="020B0609020204030204" pitchFamily="49" charset="0"/>
-              </a:rPr>
-              <a:t>[['363', 0.0, 0.92, (280, 69, 696, 435)], </a:t>
-            </a:r>
-          </a:p>
-          <a:p>
-            <a:pPr algn="l"/>
-            <a:r>
-              <a:rPr lang="en-US" altLang="ko-KR" sz="1600">
-                <a:latin typeface="Consolas" panose="020B0609020204030204" pitchFamily="49" charset="0"/>
-              </a:rPr>
-              <a:t> ['297', 0.0, 0.77, (499, 286, 791, 455)], </a:t>
-            </a:r>
-          </a:p>
-          <a:p>
-            <a:pPr algn="l"/>
-            <a:r>
-              <a:rPr lang="en-US" altLang="ko-KR" sz="1600">
-                <a:latin typeface="Consolas" panose="020B0609020204030204" pitchFamily="49" charset="0"/>
-              </a:rPr>
-              <a:t> ['297', 0.0, 0.33, (138, 173, 335, 330)]]</a:t>
-            </a:r>
-            <a:endParaRPr lang="ko-KR" altLang="en-US" sz="1600">
+              <a:rPr lang="en-US" altLang="ko-KR" sz="1400">
+                <a:latin typeface="Consolas" panose="020B0609020204030204" pitchFamily="49" charset="0"/>
+              </a:rPr>
+              <a:t>[['363', 0.0, </a:t>
+            </a:r>
+            <a:r>
+              <a:rPr lang="en-US" altLang="ko-KR" sz="1400">
+                <a:solidFill>
+                  <a:srgbClr val="FF0000"/>
+                </a:solidFill>
+                <a:latin typeface="Consolas" panose="020B0609020204030204" pitchFamily="49" charset="0"/>
+              </a:rPr>
+              <a:t>0.92</a:t>
+            </a:r>
+            <a:r>
+              <a:rPr lang="en-US" altLang="ko-KR" sz="1400">
+                <a:latin typeface="Consolas" panose="020B0609020204030204" pitchFamily="49" charset="0"/>
+              </a:rPr>
+              <a:t>, (280, 69, 696, 435)] ,</a:t>
+            </a:r>
+          </a:p>
+          <a:p>
+            <a:pPr algn="l"/>
+            <a:r>
+              <a:rPr lang="en-US" altLang="ko-KR" sz="1400">
+                <a:latin typeface="Consolas" panose="020B0609020204030204" pitchFamily="49" charset="0"/>
+              </a:rPr>
+              <a:t> ['297', 0.0, </a:t>
+            </a:r>
+            <a:r>
+              <a:rPr lang="en-US" altLang="ko-KR" sz="1400">
+                <a:solidFill>
+                  <a:srgbClr val="FF0000"/>
+                </a:solidFill>
+                <a:latin typeface="Consolas" panose="020B0609020204030204" pitchFamily="49" charset="0"/>
+              </a:rPr>
+              <a:t>0.77</a:t>
+            </a:r>
+            <a:r>
+              <a:rPr lang="en-US" altLang="ko-KR" sz="1400">
+                <a:latin typeface="Consolas" panose="020B0609020204030204" pitchFamily="49" charset="0"/>
+              </a:rPr>
+              <a:t>, (499, 286, 791, 455)],</a:t>
+            </a:r>
+          </a:p>
+          <a:p>
+            <a:pPr algn="l"/>
+            <a:r>
+              <a:rPr lang="en-US" altLang="ko-KR" sz="1400">
+                <a:latin typeface="Consolas" panose="020B0609020204030204" pitchFamily="49" charset="0"/>
+              </a:rPr>
+              <a:t> ['297', 0.0, </a:t>
+            </a:r>
+            <a:r>
+              <a:rPr lang="en-US" altLang="ko-KR" sz="1400">
+                <a:solidFill>
+                  <a:srgbClr val="FF0000"/>
+                </a:solidFill>
+                <a:latin typeface="Consolas" panose="020B0609020204030204" pitchFamily="49" charset="0"/>
+              </a:rPr>
+              <a:t>0.33</a:t>
+            </a:r>
+            <a:r>
+              <a:rPr lang="en-US" altLang="ko-KR" sz="1400">
+                <a:latin typeface="Consolas" panose="020B0609020204030204" pitchFamily="49" charset="0"/>
+              </a:rPr>
+              <a:t>, (138, 173, 335, 330)]]</a:t>
+            </a:r>
+            <a:endParaRPr lang="ko-KR" altLang="en-US" sz="1400">
               <a:latin typeface="Consolas" panose="020B0609020204030204" pitchFamily="49" charset="0"/>
             </a:endParaRPr>
           </a:p>
@@ -18264,7 +17989,7 @@
         </p:nvSpPr>
         <p:spPr>
           <a:xfrm>
-            <a:off x="8522368" y="3047999"/>
+            <a:off x="8628864" y="2263278"/>
             <a:ext cx="745717" cy="338554"/>
           </a:xfrm>
           <a:prstGeom prst="rect">
@@ -18305,8 +18030,8 @@
         </p:nvSpPr>
         <p:spPr>
           <a:xfrm>
-            <a:off x="7003089" y="4686992"/>
-            <a:ext cx="5009705" cy="830997"/>
+            <a:off x="7109585" y="3902271"/>
+            <a:ext cx="4358886" cy="954107"/>
           </a:xfrm>
           <a:prstGeom prst="rect">
             <a:avLst/>
@@ -18321,30 +18046,39 @@
           <a:p>
             <a:pPr algn="l"/>
             <a:r>
-              <a:rPr lang="en-US" altLang="ko-KR" sz="1600">
-                <a:latin typeface="Consolas" panose="020B0609020204030204" pitchFamily="49" charset="0"/>
-              </a:rPr>
-              <a:t>[['297', 0.0, 0.33, (138, 173, 335, 330)], </a:t>
-            </a:r>
-          </a:p>
-          <a:p>
-            <a:pPr algn="l"/>
-            <a:r>
-              <a:rPr lang="en-US" altLang="ko-KR" sz="1600">
-                <a:latin typeface="Consolas" panose="020B0609020204030204" pitchFamily="49" charset="0"/>
-              </a:rPr>
-              <a:t> ['297', 0.0, 0.77, (499, 286, 791, 455)], </a:t>
-            </a:r>
-          </a:p>
-          <a:p>
-            <a:pPr algn="l"/>
-            <a:r>
-              <a:rPr lang="en-US" altLang="ko-KR" sz="1600">
-                <a:latin typeface="Consolas" panose="020B0609020204030204" pitchFamily="49" charset="0"/>
-              </a:rPr>
-              <a:t> ['363', 0.0, 0.92, (280, 69, 696, 435)]]</a:t>
-            </a:r>
-            <a:endParaRPr lang="ko-KR" altLang="en-US" sz="1600">
+              <a:rPr lang="en-US" altLang="ko-KR" sz="1400">
+                <a:latin typeface="Consolas" panose="020B0609020204030204" pitchFamily="49" charset="0"/>
+              </a:rPr>
+              <a:t>[['297', 0.0, 1.0, (106, 195, 303, 352)], </a:t>
+            </a:r>
+          </a:p>
+          <a:p>
+            <a:pPr algn="l"/>
+            <a:r>
+              <a:rPr lang="en-US" altLang="ko-KR" sz="1400">
+                <a:latin typeface="Consolas" panose="020B0609020204030204" pitchFamily="49" charset="0"/>
+              </a:rPr>
+              <a:t> ['297', 0.0, 1.0, (548, 250, 841, 419)], </a:t>
+            </a:r>
+          </a:p>
+          <a:p>
+            <a:pPr algn="l"/>
+            <a:r>
+              <a:rPr lang="en-US" altLang="ko-KR" sz="1400">
+                <a:latin typeface="Consolas" panose="020B0609020204030204" pitchFamily="49" charset="0"/>
+              </a:rPr>
+              <a:t> ['363', 0.0, 1.0, (207, 108, 624, 474)], </a:t>
+            </a:r>
+          </a:p>
+          <a:p>
+            <a:pPr algn="l"/>
+            <a:r>
+              <a:rPr lang="en-US" altLang="ko-KR" sz="1400">
+                <a:latin typeface="Consolas" panose="020B0609020204030204" pitchFamily="49" charset="0"/>
+              </a:rPr>
+              <a:t> ['299', 0.0, 1.0, (434, 223, 715, 386)]]</a:t>
+            </a:r>
+            <a:endParaRPr lang="ko-KR" altLang="en-US" sz="1400">
               <a:latin typeface="Consolas" panose="020B0609020204030204" pitchFamily="49" charset="0"/>
             </a:endParaRPr>
           </a:p>
@@ -18364,8 +18098,8 @@
         </p:nvSpPr>
         <p:spPr>
           <a:xfrm>
-            <a:off x="8554452" y="4387515"/>
-            <a:ext cx="745717" cy="338554"/>
+            <a:off x="8660948" y="3602794"/>
+            <a:ext cx="521297" cy="338554"/>
           </a:xfrm>
           <a:prstGeom prst="rect">
             <a:avLst/>
@@ -18383,7 +18117,7 @@
               <a:rPr lang="en-US" altLang="ko-KR" sz="1600">
                 <a:latin typeface="Consolas" panose="020B0609020204030204" pitchFamily="49" charset="0"/>
               </a:rPr>
-              <a:t>dects</a:t>
+              <a:t>gts</a:t>
             </a:r>
             <a:endParaRPr lang="ko-KR" altLang="en-US" sz="1600">
               <a:latin typeface="Consolas" panose="020B0609020204030204" pitchFamily="49" charset="0"/>
@@ -18405,7 +18139,7 @@
         </p:nvSpPr>
         <p:spPr>
           <a:xfrm>
-            <a:off x="4602663" y="5040772"/>
+            <a:off x="4602663" y="4993036"/>
             <a:ext cx="405063" cy="316832"/>
           </a:xfrm>
           <a:prstGeom prst="rect">
@@ -18468,7 +18202,7 @@
         </p:nvSpPr>
         <p:spPr>
           <a:xfrm>
-            <a:off x="5007726" y="5040772"/>
+            <a:off x="5007726" y="4993036"/>
             <a:ext cx="405063" cy="316832"/>
           </a:xfrm>
           <a:prstGeom prst="rect">
@@ -18531,7 +18265,7 @@
         </p:nvSpPr>
         <p:spPr>
           <a:xfrm>
-            <a:off x="5412789" y="5040772"/>
+            <a:off x="5412789" y="4993036"/>
             <a:ext cx="405063" cy="316832"/>
           </a:xfrm>
           <a:prstGeom prst="rect">
@@ -18635,7 +18369,7 @@
         </p:nvSpPr>
         <p:spPr>
           <a:xfrm>
-            <a:off x="4602663" y="5782710"/>
+            <a:off x="4602663" y="5687230"/>
             <a:ext cx="405063" cy="316832"/>
           </a:xfrm>
           <a:prstGeom prst="rect">
@@ -18698,7 +18432,7 @@
         </p:nvSpPr>
         <p:spPr>
           <a:xfrm>
-            <a:off x="5007726" y="5782710"/>
+            <a:off x="5007726" y="5687230"/>
             <a:ext cx="405063" cy="316832"/>
           </a:xfrm>
           <a:prstGeom prst="rect">
@@ -18761,7 +18495,7 @@
         </p:nvSpPr>
         <p:spPr>
           <a:xfrm>
-            <a:off x="5412789" y="5782710"/>
+            <a:off x="5412789" y="5687230"/>
             <a:ext cx="405063" cy="316832"/>
           </a:xfrm>
           <a:prstGeom prst="rect">
@@ -19421,6 +19155,88 @@
           </a:fontRef>
         </p:style>
       </p:cxnSp>
+      <p:sp>
+        <p:nvSpPr>
+          <p:cNvPr id="3" name="TextBox 2">
+            <a:extLst>
+              <a:ext uri="{FF2B5EF4-FFF2-40B4-BE49-F238E27FC236}">
+                <a16:creationId xmlns:a16="http://schemas.microsoft.com/office/drawing/2014/main" id="{A49841A4-8819-3335-2708-183CC46CF65A}"/>
+              </a:ext>
+            </a:extLst>
+          </p:cNvPr>
+          <p:cNvSpPr txBox="1"/>
+          <p:nvPr/>
+        </p:nvSpPr>
+        <p:spPr>
+          <a:xfrm>
+            <a:off x="7195138" y="5391475"/>
+            <a:ext cx="4060727" cy="307777"/>
+          </a:xfrm>
+          <a:prstGeom prst="rect">
+            <a:avLst/>
+          </a:prstGeom>
+          <a:noFill/>
+        </p:spPr>
+        <p:txBody>
+          <a:bodyPr wrap="none" rtlCol="0">
+            <a:spAutoFit/>
+          </a:bodyPr>
+          <a:lstStyle/>
+          <a:p>
+            <a:pPr algn="l"/>
+            <a:r>
+              <a:rPr lang="en-US" altLang="ko-KR" sz="1400">
+                <a:latin typeface="Consolas" panose="020B0609020204030204" pitchFamily="49" charset="0"/>
+              </a:rPr>
+              <a:t>Counter({'297': 2, '363': 1, '299': 1})</a:t>
+            </a:r>
+            <a:endParaRPr lang="ko-KR" altLang="en-US" sz="1400">
+              <a:latin typeface="Consolas" panose="020B0609020204030204" pitchFamily="49" charset="0"/>
+            </a:endParaRPr>
+          </a:p>
+        </p:txBody>
+      </p:sp>
+      <p:sp>
+        <p:nvSpPr>
+          <p:cNvPr id="16" name="TextBox 15">
+            <a:extLst>
+              <a:ext uri="{FF2B5EF4-FFF2-40B4-BE49-F238E27FC236}">
+                <a16:creationId xmlns:a16="http://schemas.microsoft.com/office/drawing/2014/main" id="{F5046A70-282A-9C1B-9A23-C97602926CFA}"/>
+              </a:ext>
+            </a:extLst>
+          </p:cNvPr>
+          <p:cNvSpPr txBox="1"/>
+          <p:nvPr/>
+        </p:nvSpPr>
+        <p:spPr>
+          <a:xfrm>
+            <a:off x="8660948" y="5124545"/>
+            <a:ext cx="521297" cy="338554"/>
+          </a:xfrm>
+          <a:prstGeom prst="rect">
+            <a:avLst/>
+          </a:prstGeom>
+          <a:noFill/>
+        </p:spPr>
+        <p:txBody>
+          <a:bodyPr wrap="none" rtlCol="0">
+            <a:spAutoFit/>
+          </a:bodyPr>
+          <a:lstStyle/>
+          <a:p>
+            <a:pPr algn="l"/>
+            <a:r>
+              <a:rPr lang="en-US" altLang="ko-KR" sz="1600">
+                <a:latin typeface="Consolas" panose="020B0609020204030204" pitchFamily="49" charset="0"/>
+              </a:rPr>
+              <a:t>det</a:t>
+            </a:r>
+            <a:endParaRPr lang="ko-KR" altLang="en-US" sz="1600">
+              <a:latin typeface="Consolas" panose="020B0609020204030204" pitchFamily="49" charset="0"/>
+            </a:endParaRPr>
+          </a:p>
+        </p:txBody>
+      </p:sp>
     </p:spTree>
     <p:extLst>
       <p:ext uri="{BB962C8B-B14F-4D97-AF65-F5344CB8AC3E}">
@@ -19641,106 +19457,6 @@
       </p:sp>
       <p:sp>
         <p:nvSpPr>
-          <p:cNvPr id="2" name="TextBox 1">
-            <a:extLst>
-              <a:ext uri="{FF2B5EF4-FFF2-40B4-BE49-F238E27FC236}">
-                <a16:creationId xmlns:a16="http://schemas.microsoft.com/office/drawing/2014/main" id="{3298980A-8682-582D-46E4-056C72ECB8C1}"/>
-              </a:ext>
-            </a:extLst>
-          </p:cNvPr>
-          <p:cNvSpPr txBox="1"/>
-          <p:nvPr/>
-        </p:nvSpPr>
-        <p:spPr>
-          <a:xfrm>
-            <a:off x="7003089" y="934592"/>
-            <a:ext cx="5009705" cy="830997"/>
-          </a:xfrm>
-          <a:prstGeom prst="rect">
-            <a:avLst/>
-          </a:prstGeom>
-          <a:noFill/>
-        </p:spPr>
-        <p:txBody>
-          <a:bodyPr wrap="none" rtlCol="0">
-            <a:spAutoFit/>
-          </a:bodyPr>
-          <a:lstStyle/>
-          <a:p>
-            <a:pPr algn="l"/>
-            <a:r>
-              <a:rPr lang="en-US" altLang="ko-KR" sz="1600">
-                <a:latin typeface="Consolas" panose="020B0609020204030204" pitchFamily="49" charset="0"/>
-              </a:rPr>
-              <a:t>[['363', 0.0, 0.92, (280, 69, 696, 435)], </a:t>
-            </a:r>
-          </a:p>
-          <a:p>
-            <a:pPr algn="l"/>
-            <a:r>
-              <a:rPr lang="en-US" altLang="ko-KR" sz="1600">
-                <a:latin typeface="Consolas" panose="020B0609020204030204" pitchFamily="49" charset="0"/>
-              </a:rPr>
-              <a:t> ['297', 0.0, 0.77, (499, 286, 791, 455)], </a:t>
-            </a:r>
-          </a:p>
-          <a:p>
-            <a:pPr algn="l"/>
-            <a:r>
-              <a:rPr lang="en-US" altLang="ko-KR" sz="1600">
-                <a:latin typeface="Consolas" panose="020B0609020204030204" pitchFamily="49" charset="0"/>
-              </a:rPr>
-              <a:t> ['297', 0.0, 0.33, (138, 173, 335, 330)]]</a:t>
-            </a:r>
-            <a:endParaRPr lang="ko-KR" altLang="en-US" sz="1600">
-              <a:latin typeface="Consolas" panose="020B0609020204030204" pitchFamily="49" charset="0"/>
-            </a:endParaRPr>
-          </a:p>
-        </p:txBody>
-      </p:sp>
-      <p:sp>
-        <p:nvSpPr>
-          <p:cNvPr id="4" name="TextBox 3">
-            <a:extLst>
-              <a:ext uri="{FF2B5EF4-FFF2-40B4-BE49-F238E27FC236}">
-                <a16:creationId xmlns:a16="http://schemas.microsoft.com/office/drawing/2014/main" id="{76A93871-5941-DD4C-9A06-706FFAABDC96}"/>
-              </a:ext>
-            </a:extLst>
-          </p:cNvPr>
-          <p:cNvSpPr txBox="1"/>
-          <p:nvPr/>
-        </p:nvSpPr>
-        <p:spPr>
-          <a:xfrm>
-            <a:off x="8522368" y="641683"/>
-            <a:ext cx="745717" cy="338554"/>
-          </a:xfrm>
-          <a:prstGeom prst="rect">
-            <a:avLst/>
-          </a:prstGeom>
-          <a:noFill/>
-        </p:spPr>
-        <p:txBody>
-          <a:bodyPr wrap="none" rtlCol="0">
-            <a:spAutoFit/>
-          </a:bodyPr>
-          <a:lstStyle/>
-          <a:p>
-            <a:pPr algn="l"/>
-            <a:r>
-              <a:rPr lang="en-US" altLang="ko-KR" sz="1600">
-                <a:latin typeface="Consolas" panose="020B0609020204030204" pitchFamily="49" charset="0"/>
-              </a:rPr>
-              <a:t>dects</a:t>
-            </a:r>
-            <a:endParaRPr lang="ko-KR" altLang="en-US" sz="1600">
-              <a:latin typeface="Consolas" panose="020B0609020204030204" pitchFamily="49" charset="0"/>
-            </a:endParaRPr>
-          </a:p>
-        </p:txBody>
-      </p:sp>
-      <p:sp>
-        <p:nvSpPr>
           <p:cNvPr id="8" name="직사각형 7">
             <a:extLst>
               <a:ext uri="{FF2B5EF4-FFF2-40B4-BE49-F238E27FC236}">
@@ -19942,7 +19658,7 @@
         </p:nvSpPr>
         <p:spPr>
           <a:xfrm>
-            <a:off x="4104559" y="4843426"/>
+            <a:off x="4084805" y="4870778"/>
             <a:ext cx="409086" cy="338554"/>
           </a:xfrm>
           <a:prstGeom prst="rect">
@@ -20213,7 +19929,7 @@
         </p:nvSpPr>
         <p:spPr>
           <a:xfrm>
-            <a:off x="682589" y="5225256"/>
+            <a:off x="944129" y="5090357"/>
             <a:ext cx="683580" cy="316832"/>
           </a:xfrm>
           <a:prstGeom prst="rect">
@@ -20276,7 +19992,7 @@
         </p:nvSpPr>
         <p:spPr>
           <a:xfrm>
-            <a:off x="682589" y="5536072"/>
+            <a:off x="944129" y="5401173"/>
             <a:ext cx="683580" cy="316832"/>
           </a:xfrm>
           <a:prstGeom prst="rect">
@@ -20339,7 +20055,7 @@
         </p:nvSpPr>
         <p:spPr>
           <a:xfrm>
-            <a:off x="682589" y="5846888"/>
+            <a:off x="944129" y="5711989"/>
             <a:ext cx="683580" cy="316832"/>
           </a:xfrm>
           <a:prstGeom prst="rect">
@@ -20402,7 +20118,7 @@
         </p:nvSpPr>
         <p:spPr>
           <a:xfrm>
-            <a:off x="2132889" y="5040862"/>
+            <a:off x="2394429" y="4905963"/>
             <a:ext cx="405063" cy="316832"/>
           </a:xfrm>
           <a:prstGeom prst="rect">
@@ -20465,7 +20181,7 @@
         </p:nvSpPr>
         <p:spPr>
           <a:xfrm>
-            <a:off x="2537952" y="5040862"/>
+            <a:off x="2799492" y="4905963"/>
             <a:ext cx="405063" cy="316832"/>
           </a:xfrm>
           <a:prstGeom prst="rect">
@@ -20528,7 +20244,7 @@
         </p:nvSpPr>
         <p:spPr>
           <a:xfrm>
-            <a:off x="2266530" y="5596225"/>
+            <a:off x="2528070" y="5461326"/>
             <a:ext cx="405063" cy="316832"/>
           </a:xfrm>
           <a:prstGeom prst="rect">
@@ -20591,7 +20307,7 @@
         </p:nvSpPr>
         <p:spPr>
           <a:xfrm>
-            <a:off x="2266137" y="6179747"/>
+            <a:off x="2527677" y="6044848"/>
             <a:ext cx="405063" cy="316832"/>
           </a:xfrm>
           <a:prstGeom prst="rect">
@@ -20658,7 +20374,7 @@
         </p:nvCxnSpPr>
         <p:spPr>
           <a:xfrm flipV="1">
-            <a:off x="1366169" y="5199278"/>
+            <a:off x="1627709" y="5064379"/>
             <a:ext cx="766720" cy="184394"/>
           </a:xfrm>
           <a:prstGeom prst="curvedConnector3">
@@ -20701,7 +20417,7 @@
         </p:nvCxnSpPr>
         <p:spPr>
           <a:xfrm>
-            <a:off x="1366169" y="5694488"/>
+            <a:off x="1627709" y="5559589"/>
             <a:ext cx="900361" cy="60153"/>
           </a:xfrm>
           <a:prstGeom prst="curvedConnector3">
@@ -20744,7 +20460,7 @@
         </p:nvCxnSpPr>
         <p:spPr>
           <a:xfrm>
-            <a:off x="1366169" y="6005304"/>
+            <a:off x="1627709" y="5870405"/>
             <a:ext cx="899968" cy="332859"/>
           </a:xfrm>
           <a:prstGeom prst="curvedConnector3">
@@ -20783,7 +20499,7 @@
         </p:nvSpPr>
         <p:spPr>
           <a:xfrm>
-            <a:off x="4136146" y="4647965"/>
+            <a:off x="3730092" y="4896859"/>
             <a:ext cx="319421" cy="219289"/>
           </a:xfrm>
           <a:prstGeom prst="downArrow">
@@ -20839,197 +20555,6 @@
       </p:sp>
       <p:sp>
         <p:nvSpPr>
-          <p:cNvPr id="7" name="TextBox 6">
-            <a:extLst>
-              <a:ext uri="{FF2B5EF4-FFF2-40B4-BE49-F238E27FC236}">
-                <a16:creationId xmlns:a16="http://schemas.microsoft.com/office/drawing/2014/main" id="{6DB4280B-E9C4-E216-3421-18CFF2F396ED}"/>
-              </a:ext>
-            </a:extLst>
-          </p:cNvPr>
-          <p:cNvSpPr txBox="1"/>
-          <p:nvPr/>
-        </p:nvSpPr>
-        <p:spPr>
-          <a:xfrm>
-            <a:off x="7031163" y="2218957"/>
-            <a:ext cx="4897495" cy="1077218"/>
-          </a:xfrm>
-          <a:prstGeom prst="rect">
-            <a:avLst/>
-          </a:prstGeom>
-          <a:noFill/>
-        </p:spPr>
-        <p:txBody>
-          <a:bodyPr wrap="none" rtlCol="0">
-            <a:spAutoFit/>
-          </a:bodyPr>
-          <a:lstStyle/>
-          <a:p>
-            <a:pPr algn="l"/>
-            <a:r>
-              <a:rPr lang="en-US" altLang="ko-KR" sz="1600">
-                <a:latin typeface="Consolas" panose="020B0609020204030204" pitchFamily="49" charset="0"/>
-              </a:rPr>
-              <a:t>[['297', 0.0, 1.0, (106, 195, 303, 352)], </a:t>
-            </a:r>
-          </a:p>
-          <a:p>
-            <a:pPr algn="l"/>
-            <a:r>
-              <a:rPr lang="en-US" altLang="ko-KR" sz="1600">
-                <a:latin typeface="Consolas" panose="020B0609020204030204" pitchFamily="49" charset="0"/>
-              </a:rPr>
-              <a:t> ['297', 0.0, 1.0, (548, 250, 841, 419)], </a:t>
-            </a:r>
-          </a:p>
-          <a:p>
-            <a:pPr algn="l"/>
-            <a:r>
-              <a:rPr lang="en-US" altLang="ko-KR" sz="1600">
-                <a:latin typeface="Consolas" panose="020B0609020204030204" pitchFamily="49" charset="0"/>
-              </a:rPr>
-              <a:t> ['363', 0.0, 1.0, (207, 108, 624, 474)], </a:t>
-            </a:r>
-          </a:p>
-          <a:p>
-            <a:pPr algn="l"/>
-            <a:r>
-              <a:rPr lang="en-US" altLang="ko-KR" sz="1600">
-                <a:latin typeface="Consolas" panose="020B0609020204030204" pitchFamily="49" charset="0"/>
-              </a:rPr>
-              <a:t> ['299', 0.0, 1.0, (434, 223, 715, 386)]]</a:t>
-            </a:r>
-            <a:endParaRPr lang="ko-KR" altLang="en-US" sz="1600">
-              <a:latin typeface="Consolas" panose="020B0609020204030204" pitchFamily="49" charset="0"/>
-            </a:endParaRPr>
-          </a:p>
-        </p:txBody>
-      </p:sp>
-      <p:sp>
-        <p:nvSpPr>
-          <p:cNvPr id="11" name="TextBox 10">
-            <a:extLst>
-              <a:ext uri="{FF2B5EF4-FFF2-40B4-BE49-F238E27FC236}">
-                <a16:creationId xmlns:a16="http://schemas.microsoft.com/office/drawing/2014/main" id="{E73DBBE5-73BE-3BCD-B850-B02AABC173E2}"/>
-              </a:ext>
-            </a:extLst>
-          </p:cNvPr>
-          <p:cNvSpPr txBox="1"/>
-          <p:nvPr/>
-        </p:nvSpPr>
-        <p:spPr>
-          <a:xfrm>
-            <a:off x="8550442" y="1926048"/>
-            <a:ext cx="521297" cy="338554"/>
-          </a:xfrm>
-          <a:prstGeom prst="rect">
-            <a:avLst/>
-          </a:prstGeom>
-          <a:noFill/>
-        </p:spPr>
-        <p:txBody>
-          <a:bodyPr wrap="none" rtlCol="0">
-            <a:spAutoFit/>
-          </a:bodyPr>
-          <a:lstStyle/>
-          <a:p>
-            <a:pPr algn="l"/>
-            <a:r>
-              <a:rPr lang="en-US" altLang="ko-KR" sz="1600">
-                <a:latin typeface="Consolas" panose="020B0609020204030204" pitchFamily="49" charset="0"/>
-              </a:rPr>
-              <a:t>gts</a:t>
-            </a:r>
-            <a:endParaRPr lang="ko-KR" altLang="en-US" sz="1600">
-              <a:latin typeface="Consolas" panose="020B0609020204030204" pitchFamily="49" charset="0"/>
-            </a:endParaRPr>
-          </a:p>
-        </p:txBody>
-      </p:sp>
-      <p:sp>
-        <p:nvSpPr>
-          <p:cNvPr id="25" name="TextBox 24">
-            <a:extLst>
-              <a:ext uri="{FF2B5EF4-FFF2-40B4-BE49-F238E27FC236}">
-                <a16:creationId xmlns:a16="http://schemas.microsoft.com/office/drawing/2014/main" id="{54F623E6-CAFA-1ABA-EA60-5540CEA98927}"/>
-              </a:ext>
-            </a:extLst>
-          </p:cNvPr>
-          <p:cNvSpPr txBox="1"/>
-          <p:nvPr/>
-        </p:nvSpPr>
-        <p:spPr>
-          <a:xfrm>
-            <a:off x="7075279" y="3827945"/>
-            <a:ext cx="4785284" cy="338554"/>
-          </a:xfrm>
-          <a:prstGeom prst="rect">
-            <a:avLst/>
-          </a:prstGeom>
-          <a:noFill/>
-        </p:spPr>
-        <p:txBody>
-          <a:bodyPr wrap="none" rtlCol="0">
-            <a:spAutoFit/>
-          </a:bodyPr>
-          <a:lstStyle/>
-          <a:p>
-            <a:pPr algn="l"/>
-            <a:r>
-              <a:rPr lang="en-US" altLang="ko-KR" sz="1600">
-                <a:latin typeface="Consolas" panose="020B0609020204030204" pitchFamily="49" charset="0"/>
-              </a:rPr>
-              <a:t>[['363', 0.0, 1.0, (207, 108, 624, 474)]]</a:t>
-            </a:r>
-            <a:endParaRPr lang="ko-KR" altLang="en-US" sz="1600">
-              <a:latin typeface="Consolas" panose="020B0609020204030204" pitchFamily="49" charset="0"/>
-            </a:endParaRPr>
-          </a:p>
-        </p:txBody>
-      </p:sp>
-      <p:sp>
-        <p:nvSpPr>
-          <p:cNvPr id="29" name="TextBox 28">
-            <a:extLst>
-              <a:ext uri="{FF2B5EF4-FFF2-40B4-BE49-F238E27FC236}">
-                <a16:creationId xmlns:a16="http://schemas.microsoft.com/office/drawing/2014/main" id="{6DD18B5E-5675-5B5A-DF83-18E2A513F608}"/>
-              </a:ext>
-            </a:extLst>
-          </p:cNvPr>
-          <p:cNvSpPr txBox="1"/>
-          <p:nvPr/>
-        </p:nvSpPr>
-        <p:spPr>
-          <a:xfrm>
-            <a:off x="8594558" y="3535036"/>
-            <a:ext cx="409086" cy="338554"/>
-          </a:xfrm>
-          <a:prstGeom prst="rect">
-            <a:avLst/>
-          </a:prstGeom>
-          <a:noFill/>
-        </p:spPr>
-        <p:txBody>
-          <a:bodyPr wrap="none" rtlCol="0">
-            <a:spAutoFit/>
-          </a:bodyPr>
-          <a:lstStyle/>
-          <a:p>
-            <a:pPr algn="l"/>
-            <a:r>
-              <a:rPr lang="en-US" altLang="ko-KR" sz="1600">
-                <a:latin typeface="Consolas" panose="020B0609020204030204" pitchFamily="49" charset="0"/>
-              </a:rPr>
-              <a:t>gt</a:t>
-            </a:r>
-            <a:endParaRPr lang="ko-KR" altLang="en-US" sz="1600">
-              <a:latin typeface="Consolas" panose="020B0609020204030204" pitchFamily="49" charset="0"/>
-            </a:endParaRPr>
-          </a:p>
-        </p:txBody>
-      </p:sp>
-      <p:sp>
-        <p:nvSpPr>
           <p:cNvPr id="30" name="직사각형 29">
             <a:extLst>
               <a:ext uri="{FF2B5EF4-FFF2-40B4-BE49-F238E27FC236}">
@@ -21042,7 +20567,7 @@
         </p:nvSpPr>
         <p:spPr>
           <a:xfrm>
-            <a:off x="5805820" y="5181980"/>
+            <a:off x="5750448" y="5181980"/>
             <a:ext cx="675191" cy="316832"/>
           </a:xfrm>
           <a:prstGeom prst="rect">
@@ -21080,7 +20605,7 @@
                 </a:solidFill>
                 <a:latin typeface="Consolas" panose="020B0609020204030204" pitchFamily="49" charset="0"/>
               </a:rPr>
-              <a:t>0.59</a:t>
+              <a:t>0.58</a:t>
             </a:r>
             <a:endParaRPr lang="ko-KR" altLang="en-US" sz="1600">
               <a:solidFill>
@@ -21250,7 +20775,7 @@
         </p:nvSpPr>
         <p:spPr>
           <a:xfrm>
-            <a:off x="770172" y="4905963"/>
+            <a:off x="1031712" y="4771064"/>
             <a:ext cx="521297" cy="338554"/>
           </a:xfrm>
           <a:prstGeom prst="rect">
@@ -21341,6 +20866,339 @@
                 <a:latin typeface="Consolas" panose="020B0609020204030204" pitchFamily="49" charset="0"/>
               </a:rPr>
               <a:t>363</a:t>
+            </a:r>
+            <a:endParaRPr lang="ko-KR" altLang="en-US" sz="1600">
+              <a:latin typeface="Consolas" panose="020B0609020204030204" pitchFamily="49" charset="0"/>
+            </a:endParaRPr>
+          </a:p>
+        </p:txBody>
+      </p:sp>
+      <p:sp>
+        <p:nvSpPr>
+          <p:cNvPr id="41" name="TextBox 40">
+            <a:extLst>
+              <a:ext uri="{FF2B5EF4-FFF2-40B4-BE49-F238E27FC236}">
+                <a16:creationId xmlns:a16="http://schemas.microsoft.com/office/drawing/2014/main" id="{8B30FE75-C940-3990-D0D1-2264C85FEA47}"/>
+              </a:ext>
+            </a:extLst>
+          </p:cNvPr>
+          <p:cNvSpPr txBox="1"/>
+          <p:nvPr/>
+        </p:nvSpPr>
+        <p:spPr>
+          <a:xfrm>
+            <a:off x="7403368" y="415242"/>
+            <a:ext cx="4358886" cy="738664"/>
+          </a:xfrm>
+          <a:prstGeom prst="rect">
+            <a:avLst/>
+          </a:prstGeom>
+          <a:noFill/>
+        </p:spPr>
+        <p:txBody>
+          <a:bodyPr wrap="none" rtlCol="0">
+            <a:spAutoFit/>
+          </a:bodyPr>
+          <a:lstStyle/>
+          <a:p>
+            <a:pPr algn="l"/>
+            <a:r>
+              <a:rPr lang="en-US" altLang="ko-KR" sz="1400">
+                <a:latin typeface="Consolas" panose="020B0609020204030204" pitchFamily="49" charset="0"/>
+              </a:rPr>
+              <a:t>[['363', 0.0, </a:t>
+            </a:r>
+            <a:r>
+              <a:rPr lang="en-US" altLang="ko-KR" sz="1400">
+                <a:solidFill>
+                  <a:srgbClr val="FF0000"/>
+                </a:solidFill>
+                <a:latin typeface="Consolas" panose="020B0609020204030204" pitchFamily="49" charset="0"/>
+              </a:rPr>
+              <a:t>0.92</a:t>
+            </a:r>
+            <a:r>
+              <a:rPr lang="en-US" altLang="ko-KR" sz="1400">
+                <a:latin typeface="Consolas" panose="020B0609020204030204" pitchFamily="49" charset="0"/>
+              </a:rPr>
+              <a:t>, (280, 69, 696, 435)] ,</a:t>
+            </a:r>
+          </a:p>
+          <a:p>
+            <a:pPr algn="l"/>
+            <a:r>
+              <a:rPr lang="en-US" altLang="ko-KR" sz="1400">
+                <a:latin typeface="Consolas" panose="020B0609020204030204" pitchFamily="49" charset="0"/>
+              </a:rPr>
+              <a:t> ['297', 0.0, </a:t>
+            </a:r>
+            <a:r>
+              <a:rPr lang="en-US" altLang="ko-KR" sz="1400">
+                <a:solidFill>
+                  <a:srgbClr val="FF0000"/>
+                </a:solidFill>
+                <a:latin typeface="Consolas" panose="020B0609020204030204" pitchFamily="49" charset="0"/>
+              </a:rPr>
+              <a:t>0.77</a:t>
+            </a:r>
+            <a:r>
+              <a:rPr lang="en-US" altLang="ko-KR" sz="1400">
+                <a:latin typeface="Consolas" panose="020B0609020204030204" pitchFamily="49" charset="0"/>
+              </a:rPr>
+              <a:t>, (499, 286, 791, 455)],</a:t>
+            </a:r>
+          </a:p>
+          <a:p>
+            <a:pPr algn="l"/>
+            <a:r>
+              <a:rPr lang="en-US" altLang="ko-KR" sz="1400">
+                <a:latin typeface="Consolas" panose="020B0609020204030204" pitchFamily="49" charset="0"/>
+              </a:rPr>
+              <a:t> ['297', 0.0, </a:t>
+            </a:r>
+            <a:r>
+              <a:rPr lang="en-US" altLang="ko-KR" sz="1400">
+                <a:solidFill>
+                  <a:srgbClr val="FF0000"/>
+                </a:solidFill>
+                <a:latin typeface="Consolas" panose="020B0609020204030204" pitchFamily="49" charset="0"/>
+              </a:rPr>
+              <a:t>0.33</a:t>
+            </a:r>
+            <a:r>
+              <a:rPr lang="en-US" altLang="ko-KR" sz="1400">
+                <a:latin typeface="Consolas" panose="020B0609020204030204" pitchFamily="49" charset="0"/>
+              </a:rPr>
+              <a:t>, (138, 173, 335, 330)]]</a:t>
+            </a:r>
+            <a:endParaRPr lang="ko-KR" altLang="en-US" sz="1400">
+              <a:latin typeface="Consolas" panose="020B0609020204030204" pitchFamily="49" charset="0"/>
+            </a:endParaRPr>
+          </a:p>
+        </p:txBody>
+      </p:sp>
+      <p:sp>
+        <p:nvSpPr>
+          <p:cNvPr id="42" name="TextBox 41">
+            <a:extLst>
+              <a:ext uri="{FF2B5EF4-FFF2-40B4-BE49-F238E27FC236}">
+                <a16:creationId xmlns:a16="http://schemas.microsoft.com/office/drawing/2014/main" id="{B4D39703-EB11-582C-33F6-579E7D857AEB}"/>
+              </a:ext>
+            </a:extLst>
+          </p:cNvPr>
+          <p:cNvSpPr txBox="1"/>
+          <p:nvPr/>
+        </p:nvSpPr>
+        <p:spPr>
+          <a:xfrm>
+            <a:off x="8922647" y="122333"/>
+            <a:ext cx="745717" cy="338554"/>
+          </a:xfrm>
+          <a:prstGeom prst="rect">
+            <a:avLst/>
+          </a:prstGeom>
+          <a:noFill/>
+        </p:spPr>
+        <p:txBody>
+          <a:bodyPr wrap="none" rtlCol="0">
+            <a:spAutoFit/>
+          </a:bodyPr>
+          <a:lstStyle/>
+          <a:p>
+            <a:pPr algn="l"/>
+            <a:r>
+              <a:rPr lang="en-US" altLang="ko-KR" sz="1600">
+                <a:latin typeface="Consolas" panose="020B0609020204030204" pitchFamily="49" charset="0"/>
+              </a:rPr>
+              <a:t>dects</a:t>
+            </a:r>
+            <a:endParaRPr lang="ko-KR" altLang="en-US" sz="1600">
+              <a:latin typeface="Consolas" panose="020B0609020204030204" pitchFamily="49" charset="0"/>
+            </a:endParaRPr>
+          </a:p>
+        </p:txBody>
+      </p:sp>
+      <p:sp>
+        <p:nvSpPr>
+          <p:cNvPr id="43" name="TextBox 42">
+            <a:extLst>
+              <a:ext uri="{FF2B5EF4-FFF2-40B4-BE49-F238E27FC236}">
+                <a16:creationId xmlns:a16="http://schemas.microsoft.com/office/drawing/2014/main" id="{F5B8B7B3-4D55-078E-083F-3F2479E6AACD}"/>
+              </a:ext>
+            </a:extLst>
+          </p:cNvPr>
+          <p:cNvSpPr txBox="1"/>
+          <p:nvPr/>
+        </p:nvSpPr>
+        <p:spPr>
+          <a:xfrm>
+            <a:off x="7403368" y="1761326"/>
+            <a:ext cx="4358886" cy="954107"/>
+          </a:xfrm>
+          <a:prstGeom prst="rect">
+            <a:avLst/>
+          </a:prstGeom>
+          <a:noFill/>
+        </p:spPr>
+        <p:txBody>
+          <a:bodyPr wrap="none" rtlCol="0">
+            <a:spAutoFit/>
+          </a:bodyPr>
+          <a:lstStyle/>
+          <a:p>
+            <a:pPr algn="l"/>
+            <a:r>
+              <a:rPr lang="en-US" altLang="ko-KR" sz="1400">
+                <a:latin typeface="Consolas" panose="020B0609020204030204" pitchFamily="49" charset="0"/>
+              </a:rPr>
+              <a:t>[['297', 0.0, 1.0, (106, 195, 303, 352)], </a:t>
+            </a:r>
+          </a:p>
+          <a:p>
+            <a:pPr algn="l"/>
+            <a:r>
+              <a:rPr lang="en-US" altLang="ko-KR" sz="1400">
+                <a:latin typeface="Consolas" panose="020B0609020204030204" pitchFamily="49" charset="0"/>
+              </a:rPr>
+              <a:t> ['297', 0.0, 1.0, (548, 250, 841, 419)], </a:t>
+            </a:r>
+          </a:p>
+          <a:p>
+            <a:pPr algn="l"/>
+            <a:r>
+              <a:rPr lang="en-US" altLang="ko-KR" sz="1400">
+                <a:latin typeface="Consolas" panose="020B0609020204030204" pitchFamily="49" charset="0"/>
+              </a:rPr>
+              <a:t> ['363', 0.0, 1.0, (207, 108, 624, 474)], </a:t>
+            </a:r>
+          </a:p>
+          <a:p>
+            <a:pPr algn="l"/>
+            <a:r>
+              <a:rPr lang="en-US" altLang="ko-KR" sz="1400">
+                <a:latin typeface="Consolas" panose="020B0609020204030204" pitchFamily="49" charset="0"/>
+              </a:rPr>
+              <a:t> ['299', 0.0, 1.0, (434, 223, 715, 386)]]</a:t>
+            </a:r>
+            <a:endParaRPr lang="ko-KR" altLang="en-US" sz="1400">
+              <a:latin typeface="Consolas" panose="020B0609020204030204" pitchFamily="49" charset="0"/>
+            </a:endParaRPr>
+          </a:p>
+        </p:txBody>
+      </p:sp>
+      <p:sp>
+        <p:nvSpPr>
+          <p:cNvPr id="44" name="TextBox 43">
+            <a:extLst>
+              <a:ext uri="{FF2B5EF4-FFF2-40B4-BE49-F238E27FC236}">
+                <a16:creationId xmlns:a16="http://schemas.microsoft.com/office/drawing/2014/main" id="{F1EAC495-0515-20E9-E639-8C7775B47ACD}"/>
+              </a:ext>
+            </a:extLst>
+          </p:cNvPr>
+          <p:cNvSpPr txBox="1"/>
+          <p:nvPr/>
+        </p:nvSpPr>
+        <p:spPr>
+          <a:xfrm>
+            <a:off x="8954731" y="1461849"/>
+            <a:ext cx="521297" cy="338554"/>
+          </a:xfrm>
+          <a:prstGeom prst="rect">
+            <a:avLst/>
+          </a:prstGeom>
+          <a:noFill/>
+        </p:spPr>
+        <p:txBody>
+          <a:bodyPr wrap="none" rtlCol="0">
+            <a:spAutoFit/>
+          </a:bodyPr>
+          <a:lstStyle/>
+          <a:p>
+            <a:pPr algn="l"/>
+            <a:r>
+              <a:rPr lang="en-US" altLang="ko-KR" sz="1600">
+                <a:latin typeface="Consolas" panose="020B0609020204030204" pitchFamily="49" charset="0"/>
+              </a:rPr>
+              <a:t>gts</a:t>
+            </a:r>
+            <a:endParaRPr lang="ko-KR" altLang="en-US" sz="1600">
+              <a:latin typeface="Consolas" panose="020B0609020204030204" pitchFamily="49" charset="0"/>
+            </a:endParaRPr>
+          </a:p>
+        </p:txBody>
+      </p:sp>
+      <p:sp>
+        <p:nvSpPr>
+          <p:cNvPr id="47" name="TextBox 46">
+            <a:extLst>
+              <a:ext uri="{FF2B5EF4-FFF2-40B4-BE49-F238E27FC236}">
+                <a16:creationId xmlns:a16="http://schemas.microsoft.com/office/drawing/2014/main" id="{27DBE03E-89AA-458B-398C-FF0EA474BA40}"/>
+              </a:ext>
+            </a:extLst>
+          </p:cNvPr>
+          <p:cNvSpPr txBox="1"/>
+          <p:nvPr/>
+        </p:nvSpPr>
+        <p:spPr>
+          <a:xfrm>
+            <a:off x="7403368" y="3123745"/>
+            <a:ext cx="4358886" cy="307777"/>
+          </a:xfrm>
+          <a:prstGeom prst="rect">
+            <a:avLst/>
+          </a:prstGeom>
+          <a:noFill/>
+        </p:spPr>
+        <p:txBody>
+          <a:bodyPr wrap="none" rtlCol="0">
+            <a:spAutoFit/>
+          </a:bodyPr>
+          <a:lstStyle/>
+          <a:p>
+            <a:pPr algn="l"/>
+            <a:r>
+              <a:rPr lang="en-US" altLang="ko-KR" sz="1400">
+                <a:latin typeface="Consolas" panose="020B0609020204030204" pitchFamily="49" charset="0"/>
+              </a:rPr>
+              <a:t> [['363', 0.0, 1.0, (207, 108, 624, 474)]]</a:t>
+            </a:r>
+          </a:p>
+        </p:txBody>
+      </p:sp>
+      <p:sp>
+        <p:nvSpPr>
+          <p:cNvPr id="48" name="TextBox 47">
+            <a:extLst>
+              <a:ext uri="{FF2B5EF4-FFF2-40B4-BE49-F238E27FC236}">
+                <a16:creationId xmlns:a16="http://schemas.microsoft.com/office/drawing/2014/main" id="{CC3735FC-3909-394E-4571-6B72D18D3247}"/>
+              </a:ext>
+            </a:extLst>
+          </p:cNvPr>
+          <p:cNvSpPr txBox="1"/>
+          <p:nvPr/>
+        </p:nvSpPr>
+        <p:spPr>
+          <a:xfrm>
+            <a:off x="9271485" y="2845633"/>
+            <a:ext cx="409086" cy="338554"/>
+          </a:xfrm>
+          <a:prstGeom prst="rect">
+            <a:avLst/>
+          </a:prstGeom>
+          <a:noFill/>
+        </p:spPr>
+        <p:txBody>
+          <a:bodyPr wrap="none" rtlCol="0">
+            <a:spAutoFit/>
+          </a:bodyPr>
+          <a:lstStyle/>
+          <a:p>
+            <a:pPr algn="l"/>
+            <a:r>
+              <a:rPr lang="en-US" altLang="ko-KR" sz="1600">
+                <a:latin typeface="Consolas" panose="020B0609020204030204" pitchFamily="49" charset="0"/>
+              </a:rPr>
+              <a:t>gt</a:t>
             </a:r>
             <a:endParaRPr lang="ko-KR" altLang="en-US" sz="1600">
               <a:latin typeface="Consolas" panose="020B0609020204030204" pitchFamily="49" charset="0"/>
